--- a/presentations/Session_6_SC_Config.pptx
+++ b/presentations/Session_6_SC_Config.pptx
@@ -242,7 +242,7 @@
           <a:p>
             <a:fld id="{372E5B6B-8713-8747-AE5B-F1241B2BF5F0}" type="datetimeFigureOut">
               <a:rPr lang="en-US" smtClean="0"/>
-              <a:t>8/6/17</a:t>
+              <a:t>7/14/21</a:t>
             </a:fld>
             <a:endParaRPr lang="en-US"/>
           </a:p>
@@ -408,7 +408,7 @@
           <a:p>
             <a:fld id="{7E7B7340-DDD5-1B49-81AA-25BC4050C073}" type="datetimeFigureOut">
               <a:rPr lang="en-US" smtClean="0"/>
-              <a:t>8/6/17</a:t>
+              <a:t>7/14/21</a:t>
             </a:fld>
             <a:endParaRPr lang="en-US"/>
           </a:p>
@@ -472,38 +472,37 @@
           <a:p>
             <a:pPr lvl="0"/>
             <a:r>
-              <a:rPr lang="en-US" smtClean="0"/>
+              <a:rPr lang="en-US"/>
               <a:t>Click to edit Master text styles</a:t>
             </a:r>
           </a:p>
           <a:p>
             <a:pPr lvl="1"/>
             <a:r>
-              <a:rPr lang="en-US" smtClean="0"/>
+              <a:rPr lang="en-US"/>
               <a:t>Second level</a:t>
             </a:r>
           </a:p>
           <a:p>
             <a:pPr lvl="2"/>
             <a:r>
-              <a:rPr lang="en-US" smtClean="0"/>
+              <a:rPr lang="en-US"/>
               <a:t>Third level</a:t>
             </a:r>
           </a:p>
           <a:p>
             <a:pPr lvl="3"/>
             <a:r>
-              <a:rPr lang="en-US" smtClean="0"/>
+              <a:rPr lang="en-US"/>
               <a:t>Fourth level</a:t>
             </a:r>
           </a:p>
           <a:p>
             <a:pPr lvl="4"/>
             <a:r>
-              <a:rPr lang="en-US" smtClean="0"/>
+              <a:rPr lang="en-US"/>
               <a:t>Fifth level</a:t>
             </a:r>
-            <a:endParaRPr lang="en-US"/>
           </a:p>
         </p:txBody>
       </p:sp>
@@ -722,11 +721,11 @@
           <a:lstStyle/>
           <a:p>
             <a:r>
-              <a:rPr lang="en-US" dirty="0" smtClean="0"/>
+              <a:rPr lang="en-US" dirty="0"/>
               <a:t>Resting slide</a:t>
             </a:r>
             <a:r>
-              <a:rPr lang="en-US" baseline="0" dirty="0" smtClean="0"/>
+              <a:rPr lang="en-US" baseline="0" dirty="0"/>
               <a:t> on screen before you begin presenting.</a:t>
             </a:r>
             <a:endParaRPr lang="en-US" dirty="0"/>
@@ -817,73 +816,72 @@
               <a:buNone/>
             </a:pPr>
             <a:r>
-              <a:rPr lang="en-US" sz="1200" b="1" dirty="0" smtClean="0"/>
+              <a:rPr lang="en-US" sz="1200" b="1" dirty="0"/>
               <a:t>Requires the </a:t>
             </a:r>
             <a:r>
-              <a:rPr lang="en-US" sz="1200" b="1" dirty="0" smtClean="0">
+              <a:rPr lang="en-US" sz="1200" b="1" dirty="0">
                 <a:hlinkClick r:id="rId3"/>
               </a:rPr>
               <a:t>Cloud Bus AMQP</a:t>
             </a:r>
             <a:r>
-              <a:rPr lang="en-US" sz="1200" b="1" dirty="0" smtClean="0"/>
+              <a:rPr lang="en-US" sz="1200" b="1" dirty="0"/>
               <a:t> dependency on the </a:t>
             </a:r>
             <a:r>
-              <a:rPr lang="en-US" sz="1200" b="1" dirty="0" err="1" smtClean="0"/>
+              <a:rPr lang="en-US" sz="1200" b="1" dirty="0" err="1"/>
               <a:t>classpath</a:t>
             </a:r>
             <a:r>
-              <a:rPr lang="en-US" sz="1200" b="1" dirty="0" smtClean="0"/>
+              <a:rPr lang="en-US" sz="1200" b="1" dirty="0"/>
               <a:t> (</a:t>
             </a:r>
             <a:r>
-              <a:rPr lang="en-US" sz="1200" b="1" dirty="0" err="1" smtClean="0"/>
+              <a:rPr lang="en-US" sz="1200" b="1" dirty="0" err="1"/>
               <a:t>pom.xml</a:t>
             </a:r>
             <a:r>
-              <a:rPr lang="en-US" sz="1200" b="1" dirty="0" smtClean="0"/>
+              <a:rPr lang="en-US" sz="1200" b="1" dirty="0"/>
               <a:t>).</a:t>
             </a:r>
-            <a:endParaRPr lang="en-US" sz="1200" dirty="0" smtClean="0"/>
+            <a:endParaRPr lang="en-US" sz="1200" dirty="0"/>
           </a:p>
           <a:p>
             <a:pPr fontAlgn="base"/>
             <a:r>
-              <a:rPr lang="en-US" sz="1200" dirty="0" smtClean="0"/>
+              <a:rPr lang="en-US" sz="1200" dirty="0"/>
               <a:t>&lt;dependency&gt;     </a:t>
             </a:r>
           </a:p>
           <a:p>
             <a:pPr fontAlgn="base"/>
             <a:r>
-              <a:rPr lang="en-US" sz="1200" dirty="0" smtClean="0"/>
+              <a:rPr lang="en-US" sz="1200" dirty="0"/>
               <a:t>     &lt;groupId&gt;</a:t>
             </a:r>
             <a:r>
-              <a:rPr lang="en-US" sz="1200" dirty="0" err="1" smtClean="0"/>
+              <a:rPr lang="en-US" sz="1200" dirty="0" err="1"/>
               <a:t>org.springframework.cloud</a:t>
             </a:r>
             <a:r>
-              <a:rPr lang="en-US" sz="1200" dirty="0" smtClean="0"/>
+              <a:rPr lang="en-US" sz="1200" dirty="0"/>
               <a:t>&lt;/groupId&gt;</a:t>
             </a:r>
           </a:p>
           <a:p>
             <a:pPr fontAlgn="base"/>
             <a:r>
-              <a:rPr lang="en-US" sz="1200" dirty="0" smtClean="0"/>
+              <a:rPr lang="en-US" sz="1200" dirty="0"/>
               <a:t>     &lt;artifactId&gt;spring-cloud-starter-bus-amqp&lt;/artifactId&gt;</a:t>
             </a:r>
           </a:p>
           <a:p>
             <a:pPr fontAlgn="base"/>
             <a:r>
-              <a:rPr lang="en-US" sz="1200" dirty="0" smtClean="0"/>
+              <a:rPr lang="en-US" sz="1200" dirty="0"/>
               <a:t> &lt;/dependency&gt;</a:t>
             </a:r>
-            <a:endParaRPr lang="en-US" sz="1200" dirty="0"/>
           </a:p>
         </p:txBody>
       </p:sp>
@@ -1288,7 +1286,7 @@
           <a:lstStyle/>
           <a:p>
             <a:r>
-              <a:rPr lang="en-US" sz="1200" b="1" kern="1200" dirty="0" smtClean="0">
+              <a:rPr lang="en-US" sz="1200" b="1" kern="1200" dirty="0">
                 <a:solidFill>
                   <a:schemeClr val="tx1"/>
                 </a:solidFill>
@@ -1300,7 +1298,7 @@
               <a:t>The server is easily embeddable in a Spring Boot application using </a:t>
             </a:r>
             <a:r>
-              <a:rPr lang="en-US" sz="1200" b="1" kern="1200" dirty="0" err="1" smtClean="0">
+              <a:rPr lang="en-US" sz="1200" b="1" kern="1200" dirty="0" err="1">
                 <a:solidFill>
                   <a:schemeClr val="tx1"/>
                 </a:solidFill>
@@ -1312,7 +1310,7 @@
               <a:t>the@EnableConfigServer</a:t>
             </a:r>
             <a:r>
-              <a:rPr lang="en-US" sz="1200" b="1" kern="1200" dirty="0" smtClean="0">
+              <a:rPr lang="en-US" sz="1200" b="1" kern="1200" dirty="0">
                 <a:solidFill>
                   <a:schemeClr val="tx1"/>
                 </a:solidFill>
@@ -1323,7 +1321,7 @@
               </a:rPr>
               <a:t> annotation.</a:t>
             </a:r>
-            <a:endParaRPr lang="en-US" sz="1200" kern="1200" dirty="0" smtClean="0">
+            <a:endParaRPr lang="en-US" sz="1200" kern="1200" dirty="0">
               <a:solidFill>
                 <a:schemeClr val="tx1"/>
               </a:solidFill>
@@ -1334,12 +1332,12 @@
             </a:endParaRPr>
           </a:p>
           <a:p>
-            <a:endParaRPr lang="en-US" dirty="0" smtClean="0"/>
+            <a:endParaRPr lang="en-US" dirty="0"/>
           </a:p>
           <a:p>
             <a:pPr lvl="0" fontAlgn="base"/>
             <a:r>
-              <a:rPr lang="en-US" sz="1200" b="1" kern="1200" dirty="0" smtClean="0">
+              <a:rPr lang="en-US" sz="1200" b="1" kern="1200" dirty="0">
                 <a:solidFill>
                   <a:schemeClr val="tx1"/>
                 </a:solidFill>
@@ -1350,7 +1348,7 @@
               </a:rPr>
               <a:t>Application configuration data is stored in a backend</a:t>
             </a:r>
-            <a:endParaRPr lang="en-US" sz="1200" kern="1200" dirty="0" smtClean="0">
+            <a:endParaRPr lang="en-US" sz="1200" kern="1200" dirty="0">
               <a:solidFill>
                 <a:schemeClr val="tx1"/>
               </a:solidFill>
@@ -1363,7 +1361,7 @@
           <a:p>
             <a:pPr lvl="0" fontAlgn="base"/>
             <a:r>
-              <a:rPr lang="en-US" sz="1200" b="1" kern="1200" dirty="0" smtClean="0">
+              <a:rPr lang="en-US" sz="1200" b="1" kern="1200" dirty="0">
                 <a:solidFill>
                   <a:schemeClr val="tx1"/>
                 </a:solidFill>
@@ -1375,7 +1373,7 @@
               <a:t>Git, Subversion and File System </a:t>
             </a:r>
             <a:r>
-              <a:rPr lang="en-US" sz="1200" b="1" kern="1200" dirty="0" err="1" smtClean="0">
+              <a:rPr lang="en-US" sz="1200" b="1" kern="1200" dirty="0" err="1">
                 <a:solidFill>
                   <a:schemeClr val="tx1"/>
                 </a:solidFill>
@@ -1387,7 +1385,7 @@
               <a:t>backends</a:t>
             </a:r>
             <a:r>
-              <a:rPr lang="en-US" sz="1200" b="1" kern="1200" dirty="0" smtClean="0">
+              <a:rPr lang="en-US" sz="1200" b="1" kern="1200" dirty="0">
                 <a:solidFill>
                   <a:schemeClr val="tx1"/>
                 </a:solidFill>
@@ -1398,7 +1396,7 @@
               </a:rPr>
               <a:t> are supported</a:t>
             </a:r>
-            <a:endParaRPr lang="en-US" sz="1200" kern="1200" dirty="0" smtClean="0">
+            <a:endParaRPr lang="en-US" sz="1200" kern="1200" dirty="0">
               <a:solidFill>
                 <a:schemeClr val="tx1"/>
               </a:solidFill>
@@ -1411,7 +1409,7 @@
           <a:p>
             <a:pPr lvl="0" fontAlgn="base"/>
             <a:r>
-              <a:rPr lang="en-US" sz="1200" b="1" kern="1200" dirty="0" smtClean="0">
+              <a:rPr lang="en-US" sz="1200" b="1" kern="1200" dirty="0">
                 <a:solidFill>
                   <a:schemeClr val="tx1"/>
                 </a:solidFill>
@@ -1422,7 +1420,7 @@
               </a:rPr>
               <a:t>Git is the default backend. It's great for auditing changes and managing upgrades</a:t>
             </a:r>
-            <a:endParaRPr lang="en-US" sz="1200" kern="1200" dirty="0" smtClean="0">
+            <a:endParaRPr lang="en-US" sz="1200" kern="1200" dirty="0">
               <a:solidFill>
                 <a:schemeClr val="tx1"/>
               </a:solidFill>
@@ -1435,7 +1433,7 @@
           <a:p>
             <a:pPr lvl="0" fontAlgn="base"/>
             <a:r>
-              <a:rPr lang="en-US" sz="1200" b="1" kern="1200" dirty="0" smtClean="0">
+              <a:rPr lang="en-US" sz="1200" b="1" kern="1200" dirty="0">
                 <a:solidFill>
                   <a:schemeClr val="tx1"/>
                 </a:solidFill>
@@ -1447,7 +1445,7 @@
               <a:t>Setting the git backend is done via the </a:t>
             </a:r>
             <a:r>
-              <a:rPr lang="en-US" sz="1200" b="1" kern="1200" dirty="0" err="1" smtClean="0">
+              <a:rPr lang="en-US" sz="1200" b="1" kern="1200" dirty="0" err="1">
                 <a:solidFill>
                   <a:schemeClr val="tx1"/>
                 </a:solidFill>
@@ -1459,7 +1457,7 @@
               <a:t>spring.cloud.config.server.git.uriconfiguration</a:t>
             </a:r>
             <a:r>
-              <a:rPr lang="en-US" sz="1200" b="1" kern="1200" dirty="0" smtClean="0">
+              <a:rPr lang="en-US" sz="1200" b="1" kern="1200" dirty="0">
                 <a:solidFill>
                   <a:schemeClr val="tx1"/>
                 </a:solidFill>
@@ -1473,7 +1471,7 @@
           </a:p>
           <a:p>
             <a:pPr lvl="0" fontAlgn="base"/>
-            <a:endParaRPr lang="en-US" sz="1200" b="1" kern="1200" dirty="0" smtClean="0">
+            <a:endParaRPr lang="en-US" sz="1200" b="1" kern="1200" dirty="0">
               <a:solidFill>
                 <a:schemeClr val="tx1"/>
               </a:solidFill>
@@ -1485,7 +1483,7 @@
           </a:p>
           <a:p>
             <a:pPr lvl="0" fontAlgn="base"/>
-            <a:endParaRPr lang="en-US" sz="1200" kern="1200" dirty="0" smtClean="0">
+            <a:endParaRPr lang="en-US" sz="1200" kern="1200" dirty="0">
               <a:solidFill>
                 <a:schemeClr val="tx1"/>
               </a:solidFill>
@@ -1497,7 +1495,7 @@
           </a:p>
           <a:p>
             <a:r>
-              <a:rPr lang="en-US" sz="1200" kern="1200" dirty="0" smtClean="0">
+              <a:rPr lang="en-US" sz="1200" kern="1200" dirty="0">
                 <a:solidFill>
                   <a:schemeClr val="tx1"/>
                 </a:solidFill>
@@ -1596,7 +1594,7 @@
           <a:p>
             <a:pPr fontAlgn="base"/>
             <a:r>
-              <a:rPr lang="en-US" sz="1200" b="1" kern="1200" dirty="0" smtClean="0">
+              <a:rPr lang="en-US" sz="1200" b="1" kern="1200" dirty="0">
                 <a:solidFill>
                   <a:schemeClr val="tx1"/>
                 </a:solidFill>
@@ -1607,7 +1605,7 @@
               </a:rPr>
               <a:t>Config server exposes config on the following endpoints:</a:t>
             </a:r>
-            <a:endParaRPr lang="en-US" sz="1200" kern="1200" dirty="0" smtClean="0">
+            <a:endParaRPr lang="en-US" sz="1200" kern="1200" dirty="0">
               <a:solidFill>
                 <a:schemeClr val="tx1"/>
               </a:solidFill>
@@ -1620,7 +1618,7 @@
           <a:p>
             <a:pPr fontAlgn="base"/>
             <a:r>
-              <a:rPr lang="en-US" sz="1200" kern="1200" dirty="0" smtClean="0">
+              <a:rPr lang="en-US" sz="1200" kern="1200" dirty="0">
                 <a:solidFill>
                   <a:schemeClr val="tx1"/>
                 </a:solidFill>
@@ -1632,7 +1630,7 @@
               <a:t>/{application}/{profile}/[{label}] /{application}-{profile}.</a:t>
             </a:r>
             <a:r>
-              <a:rPr lang="en-US" sz="1200" kern="1200" dirty="0" err="1" smtClean="0">
+              <a:rPr lang="en-US" sz="1200" kern="1200" dirty="0" err="1">
                 <a:solidFill>
                   <a:schemeClr val="tx1"/>
                 </a:solidFill>
@@ -1644,7 +1642,7 @@
               <a:t>yml</a:t>
             </a:r>
             <a:r>
-              <a:rPr lang="en-US" sz="1200" kern="1200" dirty="0" smtClean="0">
+              <a:rPr lang="en-US" sz="1200" kern="1200" dirty="0">
                 <a:solidFill>
                   <a:schemeClr val="tx1"/>
                 </a:solidFill>
@@ -1656,7 +1654,7 @@
               <a:t> /{label}/{application}-{profile}.</a:t>
             </a:r>
             <a:r>
-              <a:rPr lang="en-US" sz="1200" kern="1200" dirty="0" err="1" smtClean="0">
+              <a:rPr lang="en-US" sz="1200" kern="1200" dirty="0" err="1">
                 <a:solidFill>
                   <a:schemeClr val="tx1"/>
                 </a:solidFill>
@@ -1668,7 +1666,7 @@
               <a:t>yml</a:t>
             </a:r>
             <a:r>
-              <a:rPr lang="en-US" sz="1200" kern="1200" dirty="0" smtClean="0">
+              <a:rPr lang="en-US" sz="1200" kern="1200" dirty="0">
                 <a:solidFill>
                   <a:schemeClr val="tx1"/>
                 </a:solidFill>
@@ -1683,7 +1681,7 @@
           <a:p>
             <a:pPr lvl="0" fontAlgn="base"/>
             <a:r>
-              <a:rPr lang="en-US" sz="1200" b="1" kern="1200" dirty="0" smtClean="0">
+              <a:rPr lang="en-US" sz="1200" b="1" kern="1200" dirty="0">
                 <a:solidFill>
                   <a:schemeClr val="tx1"/>
                 </a:solidFill>
@@ -1695,7 +1693,7 @@
               <a:t>{application} maps to "</a:t>
             </a:r>
             <a:r>
-              <a:rPr lang="en-US" sz="1200" b="1" kern="1200" dirty="0" err="1" smtClean="0">
+              <a:rPr lang="en-US" sz="1200" b="1" kern="1200" dirty="0" err="1">
                 <a:solidFill>
                   <a:schemeClr val="tx1"/>
                 </a:solidFill>
@@ -1707,7 +1705,7 @@
               <a:t>spring.application.name</a:t>
             </a:r>
             <a:r>
-              <a:rPr lang="en-US" sz="1200" b="1" kern="1200" dirty="0" smtClean="0">
+              <a:rPr lang="en-US" sz="1200" b="1" kern="1200" dirty="0">
                 <a:solidFill>
                   <a:schemeClr val="tx1"/>
                 </a:solidFill>
@@ -1718,7 +1716,7 @@
               </a:rPr>
               <a:t>" on the client side;</a:t>
             </a:r>
-            <a:endParaRPr lang="en-US" sz="1200" kern="1200" dirty="0" smtClean="0">
+            <a:endParaRPr lang="en-US" sz="1200" kern="1200" dirty="0">
               <a:solidFill>
                 <a:schemeClr val="tx1"/>
               </a:solidFill>
@@ -1731,7 +1729,7 @@
           <a:p>
             <a:pPr lvl="0" fontAlgn="base"/>
             <a:r>
-              <a:rPr lang="en-US" sz="1200" b="1" kern="1200" dirty="0" smtClean="0">
+              <a:rPr lang="en-US" sz="1200" b="1" kern="1200" dirty="0">
                 <a:solidFill>
                   <a:schemeClr val="tx1"/>
                 </a:solidFill>
@@ -1743,7 +1741,7 @@
               <a:t>{profile} maps to "</a:t>
             </a:r>
             <a:r>
-              <a:rPr lang="en-US" sz="1200" b="1" kern="1200" dirty="0" err="1" smtClean="0">
+              <a:rPr lang="en-US" sz="1200" b="1" kern="1200" dirty="0" err="1">
                 <a:solidFill>
                   <a:schemeClr val="tx1"/>
                 </a:solidFill>
@@ -1755,7 +1753,7 @@
               <a:t>spring.active.profiles</a:t>
             </a:r>
             <a:r>
-              <a:rPr lang="en-US" sz="1200" b="1" kern="1200" dirty="0" smtClean="0">
+              <a:rPr lang="en-US" sz="1200" b="1" kern="1200" dirty="0">
                 <a:solidFill>
                   <a:schemeClr val="tx1"/>
                 </a:solidFill>
@@ -1766,7 +1764,7 @@
               </a:rPr>
               <a:t>" on the client (comma separated list); and</a:t>
             </a:r>
-            <a:endParaRPr lang="en-US" sz="1200" kern="1200" dirty="0" smtClean="0">
+            <a:endParaRPr lang="en-US" sz="1200" kern="1200" dirty="0">
               <a:solidFill>
                 <a:schemeClr val="tx1"/>
               </a:solidFill>
@@ -1779,7 +1777,7 @@
           <a:p>
             <a:pPr lvl="0" fontAlgn="base"/>
             <a:r>
-              <a:rPr lang="en-US" sz="1200" b="1" kern="1200" dirty="0" smtClean="0">
+              <a:rPr lang="en-US" sz="1200" b="1" kern="1200" dirty="0">
                 <a:solidFill>
                   <a:schemeClr val="tx1"/>
                 </a:solidFill>
@@ -1791,7 +1789,7 @@
               <a:t>{label} which is a server side feature </a:t>
             </a:r>
             <a:r>
-              <a:rPr lang="en-US" sz="1200" b="1" kern="1200" dirty="0" err="1" smtClean="0">
+              <a:rPr lang="en-US" sz="1200" b="1" kern="1200" dirty="0" err="1">
                 <a:solidFill>
                   <a:schemeClr val="tx1"/>
                 </a:solidFill>
@@ -1803,7 +1801,7 @@
               <a:t>labelling</a:t>
             </a:r>
             <a:r>
-              <a:rPr lang="en-US" sz="1200" b="1" kern="1200" dirty="0" smtClean="0">
+              <a:rPr lang="en-US" sz="1200" b="1" kern="1200" dirty="0">
                 <a:solidFill>
                   <a:schemeClr val="tx1"/>
                 </a:solidFill>
@@ -1814,7 +1812,7 @@
               </a:rPr>
               <a:t> a "versioned" set of config files.</a:t>
             </a:r>
-            <a:endParaRPr lang="en-US" sz="1200" kern="1200" dirty="0" smtClean="0">
+            <a:endParaRPr lang="en-US" sz="1200" kern="1200" dirty="0">
               <a:solidFill>
                 <a:schemeClr val="tx1"/>
               </a:solidFill>
@@ -1910,7 +1908,7 @@
           <a:lstStyle/>
           <a:p>
             <a:r>
-              <a:rPr lang="en-US" sz="1200" b="1" kern="1200" dirty="0" smtClean="0">
+              <a:rPr lang="en-US" sz="1200" b="1" kern="1200" dirty="0">
                 <a:solidFill>
                   <a:schemeClr val="tx1"/>
                 </a:solidFill>
@@ -1922,7 +1920,7 @@
               <a:t>Requires the </a:t>
             </a:r>
             <a:r>
-              <a:rPr lang="en-US" sz="1200" b="1" kern="1200" dirty="0" smtClean="0">
+              <a:rPr lang="en-US" sz="1200" b="1" kern="1200" dirty="0">
                 <a:solidFill>
                   <a:schemeClr val="tx1"/>
                 </a:solidFill>
@@ -1935,7 +1933,7 @@
               <a:t>Actuator</a:t>
             </a:r>
             <a:r>
-              <a:rPr lang="en-US" sz="1200" b="1" kern="1200" dirty="0" smtClean="0">
+              <a:rPr lang="en-US" sz="1200" b="1" kern="1200" dirty="0">
                 <a:solidFill>
                   <a:schemeClr val="tx1"/>
                 </a:solidFill>
@@ -1947,7 +1945,7 @@
               <a:t> dependency on the </a:t>
             </a:r>
             <a:r>
-              <a:rPr lang="en-US" sz="1200" b="1" kern="1200" dirty="0" err="1" smtClean="0">
+              <a:rPr lang="en-US" sz="1200" b="1" kern="1200" dirty="0" err="1">
                 <a:solidFill>
                   <a:schemeClr val="tx1"/>
                 </a:solidFill>
@@ -1959,7 +1957,7 @@
               <a:t>classpath</a:t>
             </a:r>
             <a:r>
-              <a:rPr lang="en-US" sz="1200" b="1" kern="1200" dirty="0" smtClean="0">
+              <a:rPr lang="en-US" sz="1200" b="1" kern="1200" dirty="0">
                 <a:solidFill>
                   <a:schemeClr val="tx1"/>
                 </a:solidFill>
@@ -1971,7 +1969,7 @@
               <a:t> (</a:t>
             </a:r>
             <a:r>
-              <a:rPr lang="en-US" sz="1200" b="1" kern="1200" dirty="0" err="1" smtClean="0">
+              <a:rPr lang="en-US" sz="1200" b="1" kern="1200" dirty="0" err="1">
                 <a:solidFill>
                   <a:schemeClr val="tx1"/>
                 </a:solidFill>
@@ -1983,7 +1981,7 @@
               <a:t>pom.xml</a:t>
             </a:r>
             <a:r>
-              <a:rPr lang="en-US" sz="1200" b="1" kern="1200" dirty="0" smtClean="0">
+              <a:rPr lang="en-US" sz="1200" b="1" kern="1200" dirty="0">
                 <a:solidFill>
                   <a:schemeClr val="tx1"/>
                 </a:solidFill>
@@ -1993,29 +1991,6 @@
                 <a:cs typeface="+mn-cs"/>
               </a:rPr>
               <a:t>).</a:t>
-            </a:r>
-            <a:endParaRPr lang="en-US" sz="1200" kern="1200" dirty="0" smtClean="0">
-              <a:solidFill>
-                <a:schemeClr val="tx1"/>
-              </a:solidFill>
-              <a:effectLst/>
-              <a:latin typeface="+mn-lt"/>
-              <a:ea typeface="+mn-ea"/>
-              <a:cs typeface="+mn-cs"/>
-            </a:endParaRPr>
-          </a:p>
-          <a:p>
-            <a:r>
-              <a:rPr lang="en-US" sz="1200" kern="1200" dirty="0" smtClean="0">
-                <a:solidFill>
-                  <a:schemeClr val="tx1"/>
-                </a:solidFill>
-                <a:effectLst/>
-                <a:latin typeface="+mn-lt"/>
-                <a:ea typeface="+mn-ea"/>
-                <a:cs typeface="+mn-cs"/>
-              </a:rPr>
-              <a:t> </a:t>
             </a:r>
             <a:endParaRPr lang="en-US" sz="1200" kern="1200" dirty="0">
               <a:solidFill>
@@ -2026,6 +2001,20 @@
               <a:ea typeface="+mn-ea"/>
               <a:cs typeface="+mn-cs"/>
             </a:endParaRPr>
+          </a:p>
+          <a:p>
+            <a:r>
+              <a:rPr lang="en-US" sz="1200" kern="1200" dirty="0">
+                <a:solidFill>
+                  <a:schemeClr val="tx1"/>
+                </a:solidFill>
+                <a:effectLst/>
+                <a:latin typeface="+mn-lt"/>
+                <a:ea typeface="+mn-ea"/>
+                <a:cs typeface="+mn-cs"/>
+              </a:rPr>
+              <a:t> </a:t>
+            </a:r>
           </a:p>
         </p:txBody>
       </p:sp>
@@ -2113,73 +2102,72 @@
               <a:buNone/>
             </a:pPr>
             <a:r>
-              <a:rPr lang="en-US" sz="1200" b="1" dirty="0" smtClean="0"/>
+              <a:rPr lang="en-US" sz="1200" b="1" dirty="0"/>
               <a:t>Requires the </a:t>
             </a:r>
             <a:r>
-              <a:rPr lang="en-US" sz="1200" b="1" dirty="0" smtClean="0">
+              <a:rPr lang="en-US" sz="1200" b="1" dirty="0">
                 <a:hlinkClick r:id="rId3"/>
               </a:rPr>
               <a:t>Cloud Bus AMQP</a:t>
             </a:r>
             <a:r>
-              <a:rPr lang="en-US" sz="1200" b="1" dirty="0" smtClean="0"/>
+              <a:rPr lang="en-US" sz="1200" b="1" dirty="0"/>
               <a:t> dependency on the </a:t>
             </a:r>
             <a:r>
-              <a:rPr lang="en-US" sz="1200" b="1" dirty="0" err="1" smtClean="0"/>
+              <a:rPr lang="en-US" sz="1200" b="1" dirty="0" err="1"/>
               <a:t>classpath</a:t>
             </a:r>
             <a:r>
-              <a:rPr lang="en-US" sz="1200" b="1" dirty="0" smtClean="0"/>
+              <a:rPr lang="en-US" sz="1200" b="1" dirty="0"/>
               <a:t> (</a:t>
             </a:r>
             <a:r>
-              <a:rPr lang="en-US" sz="1200" b="1" dirty="0" err="1" smtClean="0"/>
+              <a:rPr lang="en-US" sz="1200" b="1" dirty="0" err="1"/>
               <a:t>pom.xml</a:t>
             </a:r>
             <a:r>
-              <a:rPr lang="en-US" sz="1200" b="1" dirty="0" smtClean="0"/>
+              <a:rPr lang="en-US" sz="1200" b="1" dirty="0"/>
               <a:t>).</a:t>
             </a:r>
-            <a:endParaRPr lang="en-US" sz="1200" dirty="0" smtClean="0"/>
+            <a:endParaRPr lang="en-US" sz="1200" dirty="0"/>
           </a:p>
           <a:p>
             <a:pPr fontAlgn="base"/>
             <a:r>
-              <a:rPr lang="en-US" sz="1200" dirty="0" smtClean="0"/>
+              <a:rPr lang="en-US" sz="1200" dirty="0"/>
               <a:t>&lt;dependency&gt;     </a:t>
             </a:r>
           </a:p>
           <a:p>
             <a:pPr fontAlgn="base"/>
             <a:r>
-              <a:rPr lang="en-US" sz="1200" dirty="0" smtClean="0"/>
+              <a:rPr lang="en-US" sz="1200" dirty="0"/>
               <a:t>     &lt;groupId&gt;</a:t>
             </a:r>
             <a:r>
-              <a:rPr lang="en-US" sz="1200" dirty="0" err="1" smtClean="0"/>
+              <a:rPr lang="en-US" sz="1200" dirty="0" err="1"/>
               <a:t>org.springframework.cloud</a:t>
             </a:r>
             <a:r>
-              <a:rPr lang="en-US" sz="1200" dirty="0" smtClean="0"/>
+              <a:rPr lang="en-US" sz="1200" dirty="0"/>
               <a:t>&lt;/groupId&gt;</a:t>
             </a:r>
           </a:p>
           <a:p>
             <a:pPr fontAlgn="base"/>
             <a:r>
-              <a:rPr lang="en-US" sz="1200" dirty="0" smtClean="0"/>
+              <a:rPr lang="en-US" sz="1200" dirty="0"/>
               <a:t>     &lt;artifactId&gt;spring-cloud-starter-bus-amqp&lt;/artifactId&gt;</a:t>
             </a:r>
           </a:p>
           <a:p>
             <a:pPr fontAlgn="base"/>
             <a:r>
-              <a:rPr lang="en-US" sz="1200" dirty="0" smtClean="0"/>
+              <a:rPr lang="en-US" sz="1200" dirty="0"/>
               <a:t> &lt;/dependency&gt;</a:t>
             </a:r>
-            <a:endParaRPr lang="en-US" sz="1200" dirty="0"/>
           </a:p>
         </p:txBody>
       </p:sp>
@@ -2267,73 +2255,72 @@
               <a:buNone/>
             </a:pPr>
             <a:r>
-              <a:rPr lang="en-US" sz="1200" b="1" dirty="0" smtClean="0"/>
+              <a:rPr lang="en-US" sz="1200" b="1" dirty="0"/>
               <a:t>Requires the </a:t>
             </a:r>
             <a:r>
-              <a:rPr lang="en-US" sz="1200" b="1" dirty="0" smtClean="0">
+              <a:rPr lang="en-US" sz="1200" b="1" dirty="0">
                 <a:hlinkClick r:id="rId3"/>
               </a:rPr>
               <a:t>Cloud Bus AMQP</a:t>
             </a:r>
             <a:r>
-              <a:rPr lang="en-US" sz="1200" b="1" dirty="0" smtClean="0"/>
+              <a:rPr lang="en-US" sz="1200" b="1" dirty="0"/>
               <a:t> dependency on the </a:t>
             </a:r>
             <a:r>
-              <a:rPr lang="en-US" sz="1200" b="1" dirty="0" err="1" smtClean="0"/>
+              <a:rPr lang="en-US" sz="1200" b="1" dirty="0" err="1"/>
               <a:t>classpath</a:t>
             </a:r>
             <a:r>
-              <a:rPr lang="en-US" sz="1200" b="1" dirty="0" smtClean="0"/>
+              <a:rPr lang="en-US" sz="1200" b="1" dirty="0"/>
               <a:t> (</a:t>
             </a:r>
             <a:r>
-              <a:rPr lang="en-US" sz="1200" b="1" dirty="0" err="1" smtClean="0"/>
+              <a:rPr lang="en-US" sz="1200" b="1" dirty="0" err="1"/>
               <a:t>pom.xml</a:t>
             </a:r>
             <a:r>
-              <a:rPr lang="en-US" sz="1200" b="1" dirty="0" smtClean="0"/>
+              <a:rPr lang="en-US" sz="1200" b="1" dirty="0"/>
               <a:t>).</a:t>
             </a:r>
-            <a:endParaRPr lang="en-US" sz="1200" dirty="0" smtClean="0"/>
+            <a:endParaRPr lang="en-US" sz="1200" dirty="0"/>
           </a:p>
           <a:p>
             <a:pPr fontAlgn="base"/>
             <a:r>
-              <a:rPr lang="en-US" sz="1200" dirty="0" smtClean="0"/>
+              <a:rPr lang="en-US" sz="1200" dirty="0"/>
               <a:t>&lt;dependency&gt;     </a:t>
             </a:r>
           </a:p>
           <a:p>
             <a:pPr fontAlgn="base"/>
             <a:r>
-              <a:rPr lang="en-US" sz="1200" dirty="0" smtClean="0"/>
+              <a:rPr lang="en-US" sz="1200" dirty="0"/>
               <a:t>     &lt;groupId&gt;</a:t>
             </a:r>
             <a:r>
-              <a:rPr lang="en-US" sz="1200" dirty="0" err="1" smtClean="0"/>
+              <a:rPr lang="en-US" sz="1200" dirty="0" err="1"/>
               <a:t>org.springframework.cloud</a:t>
             </a:r>
             <a:r>
-              <a:rPr lang="en-US" sz="1200" dirty="0" smtClean="0"/>
+              <a:rPr lang="en-US" sz="1200" dirty="0"/>
               <a:t>&lt;/groupId&gt;</a:t>
             </a:r>
           </a:p>
           <a:p>
             <a:pPr fontAlgn="base"/>
             <a:r>
-              <a:rPr lang="en-US" sz="1200" dirty="0" smtClean="0"/>
+              <a:rPr lang="en-US" sz="1200" dirty="0"/>
               <a:t>     &lt;artifactId&gt;spring-cloud-starter-bus-amqp&lt;/artifactId&gt;</a:t>
             </a:r>
           </a:p>
           <a:p>
             <a:pPr fontAlgn="base"/>
             <a:r>
-              <a:rPr lang="en-US" sz="1200" dirty="0" smtClean="0"/>
+              <a:rPr lang="en-US" sz="1200" dirty="0"/>
               <a:t> &lt;/dependency&gt;</a:t>
             </a:r>
-            <a:endParaRPr lang="en-US" sz="1200" dirty="0"/>
           </a:p>
         </p:txBody>
       </p:sp>
@@ -3234,10 +3221,9 @@
           </a:lstStyle>
           <a:p>
             <a:r>
-              <a:rPr lang="en-US" dirty="0" smtClean="0"/>
+              <a:rPr lang="en-US" dirty="0"/>
               <a:t>CLICK TO EDIT MASTER TITLE STYLE</a:t>
             </a:r>
-            <a:endParaRPr lang="en-US" dirty="0"/>
           </a:p>
         </p:txBody>
       </p:sp>
@@ -3312,35 +3298,35 @@
           <a:p>
             <a:pPr lvl="0"/>
             <a:r>
-              <a:rPr lang="en-US" smtClean="0"/>
+              <a:rPr lang="en-US"/>
               <a:t>Click to edit Master text styles</a:t>
             </a:r>
           </a:p>
           <a:p>
             <a:pPr lvl="1"/>
             <a:r>
-              <a:rPr lang="en-US" smtClean="0"/>
+              <a:rPr lang="en-US"/>
               <a:t>Second level</a:t>
             </a:r>
           </a:p>
           <a:p>
             <a:pPr lvl="2"/>
             <a:r>
-              <a:rPr lang="en-US" smtClean="0"/>
+              <a:rPr lang="en-US"/>
               <a:t>Third level</a:t>
             </a:r>
           </a:p>
           <a:p>
             <a:pPr lvl="3"/>
             <a:r>
-              <a:rPr lang="en-US" smtClean="0"/>
+              <a:rPr lang="en-US"/>
               <a:t>Fourth level</a:t>
             </a:r>
           </a:p>
           <a:p>
             <a:pPr lvl="4"/>
             <a:r>
-              <a:rPr lang="en-US" smtClean="0"/>
+              <a:rPr lang="en-US"/>
               <a:t>Fifth level</a:t>
             </a:r>
             <a:endParaRPr lang="en-US" dirty="0"/>
@@ -3419,7 +3405,7 @@
           <a:p>
             <a:pPr algn="l"/>
             <a:r>
-              <a:rPr lang="en-US" sz="600" dirty="0" smtClean="0">
+              <a:rPr lang="en-US" sz="600" dirty="0">
                 <a:solidFill>
                   <a:schemeClr val="bg1">
                     <a:lumMod val="50000"/>
@@ -3431,7 +3417,7 @@
               <a:t>© Copyright 2015 Pivotal.</a:t>
             </a:r>
             <a:r>
-              <a:rPr lang="en-US" sz="600" baseline="0" dirty="0" smtClean="0">
+              <a:rPr lang="en-US" sz="600" baseline="0" dirty="0">
                 <a:solidFill>
                   <a:schemeClr val="bg1">
                     <a:lumMod val="50000"/>
@@ -3443,7 +3429,7 @@
               <a:t> </a:t>
             </a:r>
             <a:r>
-              <a:rPr lang="en-US" sz="600" dirty="0" smtClean="0">
+              <a:rPr lang="en-US" sz="600" dirty="0">
                 <a:solidFill>
                   <a:schemeClr val="bg1">
                     <a:lumMod val="50000"/>
@@ -3454,15 +3440,6 @@
               </a:rPr>
               <a:t>All rights reserved.</a:t>
             </a:r>
-            <a:endParaRPr lang="en-US" sz="600" dirty="0">
-              <a:solidFill>
-                <a:schemeClr val="bg1">
-                  <a:lumMod val="50000"/>
-                </a:schemeClr>
-              </a:solidFill>
-              <a:latin typeface="Arial"/>
-              <a:cs typeface="Arial"/>
-            </a:endParaRPr>
           </a:p>
         </p:txBody>
       </p:sp>
@@ -3535,13 +3512,6 @@
   <p:clrMapOvr>
     <a:masterClrMapping/>
   </p:clrMapOvr>
-  <p:timing>
-    <p:tnLst>
-      <p:par>
-        <p:cTn id="1" dur="indefinite" restart="never" nodeType="tmRoot"/>
-      </p:par>
-    </p:tnLst>
-  </p:timing>
 </p:sldLayout>
 </file>
 
@@ -3897,10 +3867,9 @@
           </a:lstStyle>
           <a:p>
             <a:r>
-              <a:rPr lang="en-US" dirty="0" smtClean="0"/>
+              <a:rPr lang="en-US" dirty="0"/>
               <a:t>Click to edit Master title style</a:t>
             </a:r>
-            <a:endParaRPr lang="en-US" dirty="0"/>
           </a:p>
         </p:txBody>
       </p:sp>
@@ -3996,10 +3965,9 @@
           <a:p>
             <a:pPr lvl="0"/>
             <a:r>
-              <a:rPr lang="en-US" dirty="0" smtClean="0"/>
+              <a:rPr lang="en-US" dirty="0"/>
               <a:t>Click to edit Master</a:t>
             </a:r>
-            <a:endParaRPr lang="en-US" dirty="0"/>
           </a:p>
         </p:txBody>
       </p:sp>
@@ -4063,13 +4031,6 @@
   <p:clrMapOvr>
     <a:masterClrMapping/>
   </p:clrMapOvr>
-  <p:timing>
-    <p:tnLst>
-      <p:par>
-        <p:cTn id="1" dur="indefinite" restart="never" nodeType="tmRoot"/>
-      </p:par>
-    </p:tnLst>
-  </p:timing>
 </p:sldLayout>
 </file>
 
@@ -4241,13 +4202,6 @@
   <p:clrMapOvr>
     <a:masterClrMapping/>
   </p:clrMapOvr>
-  <p:timing>
-    <p:tnLst>
-      <p:par>
-        <p:cTn id="1" dur="indefinite" restart="never" nodeType="tmRoot"/>
-      </p:par>
-    </p:tnLst>
-  </p:timing>
 </p:sldLayout>
 </file>
 
@@ -4334,13 +4288,6 @@
   <p:clrMapOvr>
     <a:masterClrMapping/>
   </p:clrMapOvr>
-  <p:timing>
-    <p:tnLst>
-      <p:par>
-        <p:cTn id="1" dur="indefinite" restart="never" nodeType="tmRoot"/>
-      </p:par>
-    </p:tnLst>
-  </p:timing>
 </p:sldLayout>
 </file>
 
@@ -4399,10 +4346,9 @@
           </a:lstStyle>
           <a:p>
             <a:r>
-              <a:rPr lang="en-US" dirty="0" smtClean="0"/>
+              <a:rPr lang="en-US" dirty="0"/>
               <a:t>Click to Edit Master Title Style</a:t>
             </a:r>
-            <a:endParaRPr lang="en-US" dirty="0"/>
           </a:p>
         </p:txBody>
       </p:sp>
@@ -4419,13 +4365,6 @@
   <p:transition>
     <p:fade/>
   </p:transition>
-  <p:timing>
-    <p:tnLst>
-      <p:par>
-        <p:cTn id="1" dur="indefinite" restart="never" nodeType="tmRoot"/>
-      </p:par>
-    </p:tnLst>
-  </p:timing>
 </p:sldLayout>
 </file>
 
@@ -5812,10 +5751,9 @@
           </a:lstStyle>
           <a:p>
             <a:r>
-              <a:rPr lang="en-US" dirty="0" smtClean="0"/>
+              <a:rPr lang="en-US" dirty="0"/>
               <a:t>Click to edit Master title style</a:t>
             </a:r>
-            <a:endParaRPr lang="en-US" dirty="0"/>
           </a:p>
         </p:txBody>
       </p:sp>
@@ -5911,10 +5849,9 @@
           <a:p>
             <a:pPr lvl="0"/>
             <a:r>
-              <a:rPr lang="en-US" dirty="0" smtClean="0"/>
+              <a:rPr lang="en-US" dirty="0"/>
               <a:t>Click to edit Master</a:t>
             </a:r>
-            <a:endParaRPr lang="en-US" dirty="0"/>
           </a:p>
         </p:txBody>
       </p:sp>
@@ -5928,13 +5865,6 @@
   <p:clrMapOvr>
     <a:masterClrMapping/>
   </p:clrMapOvr>
-  <p:timing>
-    <p:tnLst>
-      <p:par>
-        <p:cTn id="1" dur="indefinite" restart="never" nodeType="tmRoot"/>
-      </p:par>
-    </p:tnLst>
-  </p:timing>
 </p:sldLayout>
 </file>
 
@@ -6106,13 +6036,6 @@
   <p:clrMapOvr>
     <a:masterClrMapping/>
   </p:clrMapOvr>
-  <p:timing>
-    <p:tnLst>
-      <p:par>
-        <p:cTn id="1" dur="indefinite" restart="never" nodeType="tmRoot"/>
-      </p:par>
-    </p:tnLst>
-  </p:timing>
 </p:sldLayout>
 </file>
 
@@ -6199,13 +6122,6 @@
   <p:clrMapOvr>
     <a:masterClrMapping/>
   </p:clrMapOvr>
-  <p:timing>
-    <p:tnLst>
-      <p:par>
-        <p:cTn id="1" dur="indefinite" restart="never" nodeType="tmRoot"/>
-      </p:par>
-    </p:tnLst>
-  </p:timing>
 </p:sldLayout>
 </file>
 
@@ -6264,10 +6180,9 @@
           </a:lstStyle>
           <a:p>
             <a:r>
-              <a:rPr lang="en-US" dirty="0" smtClean="0"/>
+              <a:rPr lang="en-US" dirty="0"/>
               <a:t>Click to Edit Master Title Style</a:t>
             </a:r>
-            <a:endParaRPr lang="en-US" dirty="0"/>
           </a:p>
         </p:txBody>
       </p:sp>
@@ -6284,13 +6199,6 @@
   <p:transition>
     <p:fade/>
   </p:transition>
-  <p:timing>
-    <p:tnLst>
-      <p:par>
-        <p:cTn id="1" dur="indefinite" restart="never" nodeType="tmRoot"/>
-      </p:par>
-    </p:tnLst>
-  </p:timing>
 </p:sldLayout>
 </file>
 
@@ -7663,13 +7571,6 @@
     <p:sldLayoutId id="2147483732" r:id="rId8"/>
     <p:sldLayoutId id="2147483733" r:id="rId9"/>
   </p:sldLayoutIdLst>
-  <p:timing>
-    <p:tnLst>
-      <p:par>
-        <p:cTn id="1" dur="indefinite" restart="never" nodeType="tmRoot"/>
-      </p:par>
-    </p:tnLst>
-  </p:timing>
   <p:hf hdr="0" ftr="0" dt="0"/>
   <p:txStyles>
     <p:titleStyle>
@@ -7996,13 +7897,6 @@
     <p:sldLayoutId id="2147483730" r:id="rId6"/>
     <p:sldLayoutId id="2147483731" r:id="rId7"/>
   </p:sldLayoutIdLst>
-  <p:timing>
-    <p:tnLst>
-      <p:par>
-        <p:cTn id="1" dur="indefinite" restart="never" nodeType="tmRoot"/>
-      </p:par>
-    </p:tnLst>
-  </p:timing>
   <p:hf hdr="0" ftr="0" dt="0"/>
   <p:txStyles>
     <p:titleStyle>
@@ -8415,7 +8309,7 @@
               </a:spcAft>
             </a:pPr>
             <a:r>
-              <a:rPr lang="en-US" sz="4200" b="1" spc="-100" dirty="0" smtClean="0">
+              <a:rPr lang="en-US" sz="4200" b="1" spc="-100" dirty="0">
                 <a:solidFill>
                   <a:srgbClr val="00AE9E"/>
                 </a:solidFill>
@@ -8472,7 +8366,7 @@
               </a:spcAft>
             </a:pPr>
             <a:r>
-              <a:rPr lang="en-US" sz="2800" spc="-100" dirty="0" smtClean="0">
+              <a:rPr lang="en-US" sz="2800" spc="-100" dirty="0">
                 <a:solidFill>
                   <a:schemeClr val="bg1"/>
                 </a:solidFill>
@@ -8487,46 +8381,9 @@
               </a:rPr>
               <a:t>Spring Cloud Config</a:t>
             </a:r>
-            <a:endParaRPr lang="en-US" sz="2800" spc="-100" dirty="0">
-              <a:solidFill>
-                <a:schemeClr val="bg1"/>
-              </a:solidFill>
-              <a:effectLst>
-                <a:outerShdw blurRad="50800" dist="38100" dir="5400000" algn="t" rotWithShape="0">
-                  <a:prstClr val="black">
-                    <a:alpha val="40000"/>
-                  </a:prstClr>
-                </a:outerShdw>
-              </a:effectLst>
-              <a:cs typeface="Arial"/>
-            </a:endParaRPr>
           </a:p>
         </p:txBody>
       </p:sp>
-      <p:pic>
-        <p:nvPicPr>
-          <p:cNvPr id="9" name="Picture 8"/>
-          <p:cNvPicPr>
-            <a:picLocks noChangeAspect="1"/>
-          </p:cNvPicPr>
-          <p:nvPr/>
-        </p:nvPicPr>
-        <p:blipFill>
-          <a:blip r:embed="rId5"/>
-          <a:stretch>
-            <a:fillRect/>
-          </a:stretch>
-        </p:blipFill>
-        <p:spPr>
-          <a:xfrm>
-            <a:off x="7261412" y="215642"/>
-            <a:ext cx="1652494" cy="435864"/>
-          </a:xfrm>
-          <a:prstGeom prst="rect">
-            <a:avLst/>
-          </a:prstGeom>
-        </p:spPr>
-      </p:pic>
     </p:spTree>
     <p:extLst>
       <p:ext uri="{BB962C8B-B14F-4D97-AF65-F5344CB8AC3E}">
@@ -8537,13 +8394,6 @@
   <p:clrMapOvr>
     <a:masterClrMapping/>
   </p:clrMapOvr>
-  <p:timing>
-    <p:tnLst>
-      <p:par>
-        <p:cTn id="1" dur="indefinite" restart="never" nodeType="tmRoot"/>
-      </p:par>
-    </p:tnLst>
-  </p:timing>
 </p:sld>
 </file>
 
@@ -8585,7 +8435,7 @@
           <a:lstStyle/>
           <a:p>
             <a:r>
-              <a:rPr lang="en-US" dirty="0" smtClean="0"/>
+              <a:rPr lang="en-US" dirty="0"/>
               <a:t>Spring Cloud Services: Config Server</a:t>
             </a:r>
             <a:endParaRPr lang="en-US" dirty="0">
@@ -8647,7 +8497,7 @@
               <a:buChar char="•"/>
             </a:pPr>
             <a:r>
-              <a:rPr lang="en-US" dirty="0" smtClean="0">
+              <a:rPr lang="en-US" dirty="0">
                 <a:solidFill>
                   <a:srgbClr val="FFFFFF"/>
                 </a:solidFill>
@@ -8672,7 +8522,7 @@
               <a:buChar char="•"/>
             </a:pPr>
             <a:r>
-              <a:rPr lang="en-US" dirty="0" smtClean="0">
+              <a:rPr lang="en-US" dirty="0">
                 <a:solidFill>
                   <a:srgbClr val="FFFFFF"/>
                 </a:solidFill>
@@ -8697,7 +8547,7 @@
               <a:buChar char="•"/>
             </a:pPr>
             <a:r>
-              <a:rPr lang="en-US" dirty="0" smtClean="0">
+              <a:rPr lang="en-US" dirty="0">
                 <a:solidFill>
                   <a:srgbClr val="FFFFFF"/>
                 </a:solidFill>
@@ -8722,7 +8572,7 @@
               <a:buChar char="•"/>
             </a:pPr>
             <a:r>
-              <a:rPr lang="en-US" i="1" dirty="0" smtClean="0">
+              <a:rPr lang="en-US" i="1" dirty="0">
                 <a:solidFill>
                   <a:srgbClr val="FFFFFF"/>
                 </a:solidFill>
@@ -8730,18 +8580,13 @@
               <a:t>Optionally</a:t>
             </a:r>
             <a:r>
-              <a:rPr lang="en-US" dirty="0" smtClean="0">
+              <a:rPr lang="en-US" dirty="0">
                 <a:solidFill>
                   <a:srgbClr val="FFFFFF"/>
                 </a:solidFill>
               </a:rPr>
               <a:t> Bind in RabbitMQ service for the Cloud Bus</a:t>
             </a:r>
-            <a:endParaRPr lang="en-US" dirty="0">
-              <a:solidFill>
-                <a:srgbClr val="FFFFFF"/>
-              </a:solidFill>
-            </a:endParaRPr>
           </a:p>
           <a:p>
             <a:pPr marL="285750" indent="-285750">
@@ -8766,21 +8611,6 @@
   <p:clrMapOvr>
     <a:masterClrMapping/>
   </p:clrMapOvr>
-  <mc:AlternateContent xmlns:mc="http://schemas.openxmlformats.org/markup-compatibility/2006" xmlns:p14="http://schemas.microsoft.com/office/powerpoint/2010/main">
-    <mc:Choice Requires="p14">
-      <p:transition spd="slow" p14:dur="2000"/>
-    </mc:Choice>
-    <mc:Fallback xmlns="">
-      <p:transition xmlns:p14="http://schemas.microsoft.com/office/powerpoint/2010/main" spd="slow"/>
-    </mc:Fallback>
-  </mc:AlternateContent>
-  <p:timing>
-    <p:tnLst>
-      <p:par>
-        <p:cTn id="1" dur="indefinite" restart="never" nodeType="tmRoot"/>
-      </p:par>
-    </p:tnLst>
-  </p:timing>
 </p:sld>
 </file>
 
@@ -9129,7 +8959,7 @@
               <a:buSzPct val="25000"/>
             </a:pPr>
             <a:r>
-              <a:rPr lang="en-US" b="1" cap="all" dirty="0" smtClean="0">
+              <a:rPr lang="en-US" b="1" cap="all" dirty="0">
                 <a:solidFill>
                   <a:srgbClr val="74CEC7"/>
                 </a:solidFill>
@@ -9154,21 +8984,6 @@
   <p:clrMapOvr>
     <a:masterClrMapping/>
   </p:clrMapOvr>
-  <mc:AlternateContent xmlns:mc="http://schemas.openxmlformats.org/markup-compatibility/2006" xmlns:p14="http://schemas.microsoft.com/office/powerpoint/2010/main">
-    <mc:Choice Requires="p14">
-      <p:transition p14:dur="0"/>
-    </mc:Choice>
-    <mc:Fallback xmlns="">
-      <p:transition xmlns:p14="http://schemas.microsoft.com/office/powerpoint/2010/main"/>
-    </mc:Fallback>
-  </mc:AlternateContent>
-  <p:timing>
-    <p:tnLst>
-      <p:par>
-        <p:cTn id="1" dur="indefinite" restart="never" nodeType="tmRoot"/>
-      </p:par>
-    </p:tnLst>
-  </p:timing>
 </p:sld>
 </file>
 
@@ -9205,7 +9020,7 @@
           <a:lstStyle/>
           <a:p>
             <a:r>
-              <a:rPr lang="en-US" dirty="0" smtClean="0"/>
+              <a:rPr lang="en-US" dirty="0"/>
               <a:t>Config in a Spring Context</a:t>
             </a:r>
             <a:endParaRPr lang="en-US" dirty="0">
@@ -9263,23 +9078,15 @@
             <a:pPr marL="0" indent="0" fontAlgn="base">
               <a:buNone/>
             </a:pPr>
-            <a:endParaRPr lang="en-US" sz="1800" b="1" dirty="0" smtClean="0"/>
+            <a:endParaRPr lang="en-US" sz="1800" b="1" dirty="0"/>
           </a:p>
           <a:p>
             <a:pPr marL="0" indent="0" fontAlgn="base">
               <a:buNone/>
             </a:pPr>
             <a:r>
-              <a:rPr lang="en-US" sz="1800" b="1" dirty="0" smtClean="0"/>
-              <a:t>Spring </a:t>
-            </a:r>
-            <a:r>
               <a:rPr lang="en-US" sz="1800" b="1" dirty="0"/>
-              <a:t>has provided several approaches to setting config, including externalizing (via Command Line </a:t>
-            </a:r>
-            <a:r>
-              <a:rPr lang="en-US" sz="1800" b="1" dirty="0" smtClean="0"/>
-              <a:t>arguments, </a:t>
+              <a:t>Spring has provided several approaches to setting config, including externalizing (via Command Line arguments, </a:t>
             </a:r>
             <a:r>
               <a:rPr lang="en-US" sz="1800" b="1" dirty="0" err="1"/>
@@ -9295,19 +9102,15 @@
             <a:pPr marL="0" indent="0" fontAlgn="base">
               <a:buNone/>
             </a:pPr>
-            <a:endParaRPr lang="en-US" sz="1800" b="1" dirty="0" smtClean="0"/>
+            <a:endParaRPr lang="en-US" sz="1800" b="1" dirty="0"/>
           </a:p>
           <a:p>
             <a:pPr marL="0" indent="0" fontAlgn="base">
               <a:buNone/>
             </a:pPr>
             <a:r>
-              <a:rPr lang="en-US" sz="1800" b="1" dirty="0" smtClean="0"/>
-              <a:t>Still</a:t>
-            </a:r>
-            <a:r>
               <a:rPr lang="en-US" sz="1800" b="1" dirty="0"/>
-              <a:t>, gaps exist:</a:t>
+              <a:t>Still, gaps exist:</a:t>
             </a:r>
             <a:endParaRPr lang="en-US" sz="1800" dirty="0"/>
           </a:p>
@@ -9357,21 +9160,6 @@
   <p:clrMapOvr>
     <a:masterClrMapping/>
   </p:clrMapOvr>
-  <mc:AlternateContent xmlns:mc="http://schemas.openxmlformats.org/markup-compatibility/2006" xmlns:p14="http://schemas.microsoft.com/office/powerpoint/2010/main">
-    <mc:Choice Requires="p14">
-      <p:transition spd="slow" p14:dur="2000"/>
-    </mc:Choice>
-    <mc:Fallback xmlns="">
-      <p:transition xmlns:p14="http://schemas.microsoft.com/office/powerpoint/2010/main" spd="slow"/>
-    </mc:Fallback>
-  </mc:AlternateContent>
-  <p:timing>
-    <p:tnLst>
-      <p:par>
-        <p:cTn id="1" dur="indefinite" restart="never" nodeType="tmRoot"/>
-      </p:par>
-    </p:tnLst>
-  </p:timing>
 </p:sld>
 </file>
 
@@ -9408,7 +9196,7 @@
           <a:lstStyle/>
           <a:p>
             <a:r>
-              <a:rPr lang="en-US" dirty="0" smtClean="0"/>
+              <a:rPr lang="en-US" dirty="0"/>
               <a:t>Spring Cloud Config</a:t>
             </a:r>
             <a:endParaRPr lang="en-US" dirty="0">
@@ -9448,21 +9236,6 @@
   <p:clrMapOvr>
     <a:masterClrMapping/>
   </p:clrMapOvr>
-  <mc:AlternateContent xmlns:mc="http://schemas.openxmlformats.org/markup-compatibility/2006" xmlns:p14="http://schemas.microsoft.com/office/powerpoint/2010/main">
-    <mc:Choice Requires="p14">
-      <p:transition spd="slow" p14:dur="2000"/>
-    </mc:Choice>
-    <mc:Fallback xmlns="">
-      <p:transition xmlns:p14="http://schemas.microsoft.com/office/powerpoint/2010/main" spd="slow"/>
-    </mc:Fallback>
-  </mc:AlternateContent>
-  <p:timing>
-    <p:tnLst>
-      <p:par>
-        <p:cTn id="1" dur="indefinite" restart="never" nodeType="tmRoot"/>
-      </p:par>
-    </p:tnLst>
-  </p:timing>
 </p:sld>
 </file>
 
@@ -9500,11 +9273,7 @@
           <a:p>
             <a:r>
               <a:rPr lang="en-US" dirty="0"/>
-              <a:t>Spring Cloud </a:t>
-            </a:r>
-            <a:r>
-              <a:rPr lang="en-US" dirty="0" smtClean="0"/>
-              <a:t>Config Server</a:t>
+              <a:t>Spring Cloud Config Server</a:t>
             </a:r>
             <a:endParaRPr lang="en-US" dirty="0">
               <a:solidFill>
@@ -9539,11 +9308,7 @@
             <a:pPr lvl="0" fontAlgn="base"/>
             <a:r>
               <a:rPr lang="en-US" sz="1800" b="1" dirty="0"/>
-              <a:t>The Server provides an HTTP, resource-based API for external configuration (name-value pairs, or equivalent YAML content)</a:t>
-            </a:r>
-            <a:r>
-              <a:rPr lang="en-US" sz="1800" b="1" dirty="0" smtClean="0"/>
-              <a:t>.</a:t>
+              <a:t>The Server provides an HTTP, resource-based API for external configuration (name-value pairs, or equivalent YAML content).</a:t>
             </a:r>
           </a:p>
           <a:p>
@@ -9554,11 +9319,7 @@
             <a:pPr lvl="0" fontAlgn="base"/>
             <a:r>
               <a:rPr lang="en-US" sz="1800" b="1" dirty="0"/>
-              <a:t>Bind to the Config Server and initialize Spring Environment with remote property </a:t>
-            </a:r>
-            <a:r>
-              <a:rPr lang="en-US" sz="1800" b="1" dirty="0" smtClean="0"/>
-              <a:t>sources</a:t>
+              <a:t>Bind to the Config Server and initialize Spring Environment with remote property sources</a:t>
             </a:r>
           </a:p>
           <a:p>
@@ -9569,11 +9330,7 @@
             <a:pPr lvl="0" fontAlgn="base"/>
             <a:r>
               <a:rPr lang="en-US" sz="1800" b="1" dirty="0"/>
-              <a:t>Embeddable easily in a Spring Boot application using @</a:t>
-            </a:r>
-            <a:r>
-              <a:rPr lang="en-US" sz="1800" b="1" dirty="0" smtClean="0"/>
-              <a:t>EnableConfigServer</a:t>
+              <a:t>Embeddable easily in a Spring Boot application using @EnableConfigServer</a:t>
             </a:r>
           </a:p>
           <a:p>
@@ -9606,21 +9363,6 @@
   <p:clrMapOvr>
     <a:masterClrMapping/>
   </p:clrMapOvr>
-  <mc:AlternateContent xmlns:mc="http://schemas.openxmlformats.org/markup-compatibility/2006" xmlns:p14="http://schemas.microsoft.com/office/powerpoint/2010/main">
-    <mc:Choice Requires="p14">
-      <p:transition spd="slow" p14:dur="2000"/>
-    </mc:Choice>
-    <mc:Fallback xmlns="">
-      <p:transition xmlns:p14="http://schemas.microsoft.com/office/powerpoint/2010/main" spd="slow"/>
-    </mc:Fallback>
-  </mc:AlternateContent>
-  <p:timing>
-    <p:tnLst>
-      <p:par>
-        <p:cTn id="1" dur="indefinite" restart="never" nodeType="tmRoot"/>
-      </p:par>
-    </p:tnLst>
-  </p:timing>
 </p:sld>
 </file>
 
@@ -9658,11 +9400,7 @@
           <a:p>
             <a:r>
               <a:rPr lang="en-US" dirty="0"/>
-              <a:t>Spring Cloud </a:t>
-            </a:r>
-            <a:r>
-              <a:rPr lang="en-US" dirty="0" smtClean="0"/>
-              <a:t>Config Server</a:t>
+              <a:t>Spring Cloud Config Server</a:t>
             </a:r>
             <a:endParaRPr lang="en-US" dirty="0">
               <a:solidFill>
@@ -9704,39 +9442,19 @@
                 <a:latin typeface="Courier New"/>
                 <a:cs typeface="Courier New"/>
               </a:rPr>
-              <a:t>@</a:t>
-            </a:r>
-            <a:r>
-              <a:rPr lang="en-US" sz="1200" b="1" dirty="0" smtClean="0">
+              <a:t>@SpringBootApplication</a:t>
+            </a:r>
+          </a:p>
+          <a:p>
+            <a:r>
+              <a:rPr lang="en-US" sz="1200" b="1" dirty="0">
                 <a:solidFill>
                   <a:schemeClr val="accent1"/>
                 </a:solidFill>
                 <a:latin typeface="Courier New"/>
                 <a:cs typeface="Courier New"/>
               </a:rPr>
-              <a:t>SpringBootApplication</a:t>
-            </a:r>
-          </a:p>
-          <a:p>
-            <a:r>
-              <a:rPr lang="en-US" sz="1200" b="1" dirty="0" smtClean="0">
-                <a:solidFill>
-                  <a:schemeClr val="accent1"/>
-                </a:solidFill>
-                <a:latin typeface="Courier New"/>
-                <a:cs typeface="Courier New"/>
-              </a:rPr>
-              <a:t>@</a:t>
-            </a:r>
-            <a:r>
-              <a:rPr lang="en-US" sz="1200" b="1" dirty="0">
-                <a:solidFill>
-                  <a:schemeClr val="accent1"/>
-                </a:solidFill>
-                <a:latin typeface="Courier New"/>
-                <a:cs typeface="Courier New"/>
-              </a:rPr>
-              <a:t>EnableConfigServer</a:t>
+              <a:t>@EnableConfigServer</a:t>
             </a:r>
             <a:r>
               <a:rPr lang="en-US" sz="1200" dirty="0">
@@ -9746,7 +9464,7 @@
               <a:t> </a:t>
             </a:r>
             <a:r>
-              <a:rPr lang="en-US" sz="1200" b="1" dirty="0" smtClean="0">
+              <a:rPr lang="en-US" sz="1200" b="1" dirty="0">
                 <a:solidFill>
                   <a:srgbClr val="FF0000"/>
                 </a:solidFill>
@@ -9756,7 +9474,7 @@
               </a:rPr>
               <a:t> MAGIC!!</a:t>
             </a:r>
-            <a:endParaRPr lang="en-US" sz="1200" b="1" dirty="0" smtClean="0">
+            <a:endParaRPr lang="en-US" sz="1200" b="1" dirty="0">
               <a:solidFill>
                 <a:srgbClr val="FF0000"/>
               </a:solidFill>
@@ -9766,18 +9484,11 @@
           </a:p>
           <a:p>
             <a:r>
-              <a:rPr lang="en-US" sz="1200" dirty="0" smtClean="0">
-                <a:latin typeface="Courier New"/>
-                <a:cs typeface="Courier New"/>
-              </a:rPr>
-              <a:t>public </a:t>
-            </a:r>
-            <a:r>
               <a:rPr lang="en-US" sz="1200" dirty="0">
                 <a:latin typeface="Courier New"/>
                 <a:cs typeface="Courier New"/>
               </a:rPr>
-              <a:t>class </a:t>
+              <a:t>public class </a:t>
             </a:r>
             <a:r>
               <a:rPr lang="en-US" sz="1200" dirty="0">
@@ -9794,30 +9505,16 @@
                 <a:latin typeface="Courier New"/>
                 <a:cs typeface="Courier New"/>
               </a:rPr>
-              <a:t> </a:t>
-            </a:r>
-            <a:r>
-              <a:rPr lang="en-US" sz="1200" dirty="0" smtClean="0">
-                <a:latin typeface="Courier New"/>
-                <a:cs typeface="Courier New"/>
-              </a:rPr>
-              <a:t>{</a:t>
-            </a:r>
-          </a:p>
-          <a:p>
-            <a:r>
-              <a:rPr lang="en-US" sz="1200" dirty="0" smtClean="0">
-                <a:latin typeface="Courier New"/>
-                <a:cs typeface="Courier New"/>
-              </a:rPr>
-              <a:t>   </a:t>
-            </a:r>
+              <a:t> {</a:t>
+            </a:r>
+          </a:p>
+          <a:p>
             <a:r>
               <a:rPr lang="en-US" sz="1200" dirty="0">
                 <a:latin typeface="Courier New"/>
                 <a:cs typeface="Courier New"/>
               </a:rPr>
-              <a:t>public static </a:t>
+              <a:t>   public static </a:t>
             </a:r>
             <a:r>
               <a:rPr lang="en-US" sz="1200" dirty="0">
@@ -9836,91 +9533,52 @@
                 <a:latin typeface="Courier New"/>
                 <a:cs typeface="Courier New"/>
               </a:rPr>
-              <a:t> main(String[] </a:t>
-            </a:r>
-            <a:r>
-              <a:rPr lang="en-US" sz="1200" dirty="0" smtClean="0">
-                <a:latin typeface="Courier New"/>
-                <a:cs typeface="Courier New"/>
-              </a:rPr>
-              <a:t>args</a:t>
-            </a:r>
+              <a:t> main(String[] args) {</a:t>
+            </a:r>
+          </a:p>
+          <a:p>
             <a:r>
               <a:rPr lang="en-US" sz="1200" dirty="0">
                 <a:latin typeface="Courier New"/>
                 <a:cs typeface="Courier New"/>
               </a:rPr>
-              <a:t>) </a:t>
-            </a:r>
-            <a:r>
-              <a:rPr lang="en-US" sz="1200" dirty="0" smtClean="0">
+              <a:t>     SpringApplication.run(ConfigServer</a:t>
+            </a:r>
+            <a:r>
+              <a:rPr lang="en-US" sz="1200" dirty="0">
+                <a:solidFill>
+                  <a:srgbClr val="1F6FB8"/>
+                </a:solidFill>
                 <a:latin typeface="Courier New"/>
                 <a:cs typeface="Courier New"/>
               </a:rPr>
-              <a:t>{</a:t>
-            </a:r>
-          </a:p>
-          <a:p>
-            <a:r>
-              <a:rPr lang="en-US" sz="1200" dirty="0" smtClean="0">
-                <a:latin typeface="Courier New"/>
-                <a:cs typeface="Courier New"/>
-              </a:rPr>
-              <a:t>     SpringApplication.run(ConfigServer</a:t>
-            </a:r>
-            <a:r>
-              <a:rPr lang="en-US" sz="1200" dirty="0" smtClean="0">
-                <a:solidFill>
-                  <a:srgbClr val="1F6FB8"/>
-                </a:solidFill>
-                <a:latin typeface="Courier New"/>
-                <a:cs typeface="Courier New"/>
-              </a:rPr>
               <a:t>.class</a:t>
-            </a:r>
-            <a:r>
-              <a:rPr lang="en-US" sz="1200" dirty="0" smtClean="0">
-                <a:latin typeface="Courier New"/>
-                <a:cs typeface="Courier New"/>
-              </a:rPr>
-              <a:t>, </a:t>
             </a:r>
             <a:r>
               <a:rPr lang="en-US" sz="1200" dirty="0">
                 <a:latin typeface="Courier New"/>
                 <a:cs typeface="Courier New"/>
               </a:rPr>
-              <a:t>args)</a:t>
-            </a:r>
-            <a:r>
-              <a:rPr lang="en-US" sz="1200" dirty="0" smtClean="0">
+              <a:t>, args);</a:t>
+            </a:r>
+          </a:p>
+          <a:p>
+            <a:r>
+              <a:rPr lang="en-US" sz="1200" dirty="0">
                 <a:latin typeface="Courier New"/>
                 <a:cs typeface="Courier New"/>
               </a:rPr>
-              <a:t>;</a:t>
-            </a:r>
-          </a:p>
-          <a:p>
-            <a:r>
-              <a:rPr lang="en-US" sz="1200" dirty="0" smtClean="0">
+              <a:t>   }</a:t>
+            </a:r>
+          </a:p>
+          <a:p>
+            <a:r>
+              <a:rPr lang="en-US" sz="1200" dirty="0">
                 <a:latin typeface="Courier New"/>
                 <a:cs typeface="Courier New"/>
               </a:rPr>
-              <a:t>   }</a:t>
-            </a:r>
-          </a:p>
-          <a:p>
-            <a:r>
-              <a:rPr lang="en-US" sz="1200" dirty="0" smtClean="0">
-                <a:latin typeface="Courier New"/>
-                <a:cs typeface="Courier New"/>
-              </a:rPr>
               <a:t>}</a:t>
             </a:r>
-            <a:endParaRPr lang="en-US" sz="1200" dirty="0">
-              <a:latin typeface="Courier New"/>
-              <a:cs typeface="Courier New"/>
-            </a:endParaRPr>
           </a:p>
         </p:txBody>
       </p:sp>
@@ -9949,45 +9607,11 @@
           <a:lstStyle/>
           <a:p>
             <a:r>
-              <a:rPr lang="en-US" sz="1200" dirty="0" smtClean="0">
-                <a:latin typeface="Courier New"/>
-                <a:cs typeface="Courier New"/>
-              </a:rPr>
-              <a:t>spring:</a:t>
-            </a:r>
-          </a:p>
-          <a:p>
-            <a:r>
-              <a:rPr lang="en-US" sz="1200" dirty="0" smtClean="0">
-                <a:latin typeface="Courier New"/>
-                <a:cs typeface="Courier New"/>
-              </a:rPr>
-              <a:t>  cloud:</a:t>
-            </a:r>
-          </a:p>
-          <a:p>
-            <a:r>
               <a:rPr lang="en-US" sz="1200" dirty="0">
                 <a:latin typeface="Courier New"/>
                 <a:cs typeface="Courier New"/>
               </a:rPr>
-              <a:t> </a:t>
-            </a:r>
-            <a:r>
-              <a:rPr lang="en-US" sz="1200" dirty="0" smtClean="0">
-                <a:latin typeface="Courier New"/>
-                <a:cs typeface="Courier New"/>
-              </a:rPr>
-              <a:t>   config:</a:t>
-            </a:r>
-          </a:p>
-          <a:p>
-            <a:r>
-              <a:rPr lang="en-US" sz="1200" dirty="0" smtClean="0">
-                <a:latin typeface="Courier New"/>
-                <a:cs typeface="Courier New"/>
-              </a:rPr>
-              <a:t>      server:</a:t>
+              <a:t>spring:</a:t>
             </a:r>
           </a:p>
           <a:p>
@@ -9996,14 +9620,7 @@
                 <a:latin typeface="Courier New"/>
                 <a:cs typeface="Courier New"/>
               </a:rPr>
-              <a:t> </a:t>
-            </a:r>
-            <a:r>
-              <a:rPr lang="en-US" sz="1200" dirty="0" smtClean="0">
-                <a:latin typeface="Courier New"/>
-                <a:cs typeface="Courier New"/>
-              </a:rPr>
-              <a:t>       git:</a:t>
+              <a:t>  cloud:</a:t>
             </a:r>
           </a:p>
           <a:p>
@@ -10012,33 +9629,35 @@
                 <a:latin typeface="Courier New"/>
                 <a:cs typeface="Courier New"/>
               </a:rPr>
-              <a:t> </a:t>
-            </a:r>
-            <a:r>
-              <a:rPr lang="en-US" sz="1200" dirty="0" smtClean="0">
-                <a:latin typeface="Courier New"/>
-                <a:cs typeface="Courier New"/>
-              </a:rPr>
-              <a:t>	     uri: http://github.com/adamz</a:t>
-            </a:r>
+              <a:t>    config:</a:t>
+            </a:r>
+          </a:p>
+          <a:p>
             <a:r>
               <a:rPr lang="en-US" sz="1200" dirty="0">
                 <a:latin typeface="Courier New"/>
                 <a:cs typeface="Courier New"/>
               </a:rPr>
-              <a:t>/</a:t>
-            </a:r>
-            <a:r>
-              <a:rPr lang="en-US" sz="1200" dirty="0" smtClean="0">
+              <a:t>      server:</a:t>
+            </a:r>
+          </a:p>
+          <a:p>
+            <a:r>
+              <a:rPr lang="en-US" sz="1200" dirty="0">
                 <a:latin typeface="Courier New"/>
                 <a:cs typeface="Courier New"/>
               </a:rPr>
-              <a:t>config-repo.git</a:t>
-            </a:r>
-            <a:endParaRPr lang="en-US" sz="1200" dirty="0">
-              <a:latin typeface="Courier New"/>
-              <a:cs typeface="Courier New"/>
-            </a:endParaRPr>
+              <a:t>        git:</a:t>
+            </a:r>
+          </a:p>
+          <a:p>
+            <a:r>
+              <a:rPr lang="en-US" sz="1200" dirty="0">
+                <a:latin typeface="Courier New"/>
+                <a:cs typeface="Courier New"/>
+              </a:rPr>
+              <a:t> 	     uri: http://github.com/adamz/config-repo.git</a:t>
+            </a:r>
           </a:p>
         </p:txBody>
       </p:sp>
@@ -10065,18 +9684,13 @@
           <a:lstStyle/>
           <a:p>
             <a:r>
-              <a:rPr lang="en-US" dirty="0" smtClean="0">
+              <a:rPr lang="en-US" dirty="0">
                 <a:solidFill>
                   <a:schemeClr val="accent1"/>
                 </a:solidFill>
               </a:rPr>
               <a:t>application.yml</a:t>
             </a:r>
-            <a:endParaRPr lang="en-US" dirty="0">
-              <a:solidFill>
-                <a:schemeClr val="accent1"/>
-              </a:solidFill>
-            </a:endParaRPr>
           </a:p>
         </p:txBody>
       </p:sp>
@@ -10105,7 +9719,7 @@
           <a:lstStyle/>
           <a:p>
             <a:r>
-              <a:rPr lang="en-US" sz="1200" dirty="0" smtClean="0">
+              <a:rPr lang="en-US" sz="1200" dirty="0">
                 <a:latin typeface="Courier New"/>
                 <a:cs typeface="Courier New"/>
               </a:rPr>
@@ -10156,20 +9770,10 @@
                 <a:latin typeface="Courier New"/>
                 <a:cs typeface="Courier New"/>
               </a:rPr>
-              <a:t>http://github.com/adamz/config-</a:t>
-            </a:r>
-            <a:r>
-              <a:rPr lang="en-US" sz="1400" b="1" dirty="0" smtClean="0">
-                <a:solidFill>
-                  <a:srgbClr val="008774"/>
-                </a:solidFill>
-                <a:latin typeface="Courier New"/>
-                <a:cs typeface="Courier New"/>
-              </a:rPr>
-              <a:t>repo/blob/master/</a:t>
-            </a:r>
-            <a:r>
-              <a:rPr lang="en-US" sz="1400" b="1" dirty="0" err="1" smtClean="0">
+              <a:t>http://github.com/adamz/config-repo/blob/master/</a:t>
+            </a:r>
+            <a:r>
+              <a:rPr lang="en-US" sz="1400" b="1" dirty="0" err="1">
                 <a:solidFill>
                   <a:srgbClr val="008774"/>
                 </a:solidFill>
@@ -10198,14 +9802,6 @@
   <p:clrMapOvr>
     <a:masterClrMapping/>
   </p:clrMapOvr>
-  <mc:AlternateContent xmlns:mc="http://schemas.openxmlformats.org/markup-compatibility/2006" xmlns:p14="http://schemas.microsoft.com/office/powerpoint/2010/main">
-    <mc:Choice Requires="p14">
-      <p:transition spd="slow" p14:dur="2000"/>
-    </mc:Choice>
-    <mc:Fallback xmlns="">
-      <p:transition xmlns:p14="http://schemas.microsoft.com/office/powerpoint/2010/main" spd="slow"/>
-    </mc:Fallback>
-  </mc:AlternateContent>
   <p:timing>
     <p:tnLst>
       <p:par>
@@ -10473,7 +10069,7 @@
           <a:lstStyle/>
           <a:p>
             <a:r>
-              <a:rPr lang="en-US" dirty="0" smtClean="0"/>
+              <a:rPr lang="en-US" dirty="0"/>
               <a:t>Consuming Application</a:t>
             </a:r>
             <a:endParaRPr lang="en-US" dirty="0">
@@ -10517,17 +10113,31 @@
                 <a:latin typeface="Courier New"/>
                 <a:cs typeface="Courier New"/>
               </a:rPr>
-              <a:t>@</a:t>
-            </a:r>
-            <a:r>
-              <a:rPr lang="en-US" sz="1100" b="1" dirty="0" smtClean="0">
+              <a:t>@Configuration</a:t>
+            </a:r>
+          </a:p>
+          <a:p>
+            <a:pPr latinLnBrk="1"/>
+            <a:r>
+              <a:rPr lang="en-US" sz="1100" b="1" dirty="0">
                 <a:solidFill>
                   <a:schemeClr val="accent1"/>
                 </a:solidFill>
                 <a:latin typeface="Courier New"/>
                 <a:cs typeface="Courier New"/>
               </a:rPr>
-              <a:t>Configuration</a:t>
+              <a:t>@EnableAutoConfiguration </a:t>
+            </a:r>
+            <a:r>
+              <a:rPr lang="en-US" sz="1100" b="1" dirty="0">
+                <a:solidFill>
+                  <a:srgbClr val="FF0000"/>
+                </a:solidFill>
+                <a:latin typeface="Courier New"/>
+                <a:cs typeface="Courier New"/>
+                <a:sym typeface="Wingdings"/>
+              </a:rPr>
+              <a:t> MAGIC!!</a:t>
             </a:r>
             <a:endParaRPr lang="en-US" sz="1100" b="1" dirty="0">
               <a:solidFill>
@@ -10540,244 +10150,61 @@
           <a:p>
             <a:pPr latinLnBrk="1"/>
             <a:r>
-              <a:rPr lang="en-US" sz="1100" b="1" dirty="0" smtClean="0">
+              <a:rPr lang="en-US" sz="1100" b="1" dirty="0">
                 <a:solidFill>
                   <a:schemeClr val="accent1"/>
                 </a:solidFill>
                 <a:latin typeface="Courier New"/>
                 <a:cs typeface="Courier New"/>
               </a:rPr>
-              <a:t>@EnableAutoConfiguration </a:t>
-            </a:r>
-            <a:r>
-              <a:rPr lang="en-US" sz="1100" b="1" dirty="0">
-                <a:solidFill>
-                  <a:srgbClr val="FF0000"/>
-                </a:solidFill>
-                <a:latin typeface="Courier New"/>
-                <a:cs typeface="Courier New"/>
-                <a:sym typeface="Wingdings"/>
-              </a:rPr>
-              <a:t> MAGIC!!</a:t>
-            </a:r>
-            <a:endParaRPr lang="en-US" sz="1100" b="1" dirty="0">
-              <a:solidFill>
-                <a:schemeClr val="accent1"/>
-              </a:solidFill>
-              <a:latin typeface="Courier New"/>
-              <a:cs typeface="Courier New"/>
-            </a:endParaRPr>
+              <a:t>@RestController </a:t>
+            </a:r>
           </a:p>
           <a:p>
             <a:pPr latinLnBrk="1"/>
-            <a:r>
-              <a:rPr lang="en-US" sz="1100" b="1" dirty="0" smtClean="0">
-                <a:solidFill>
-                  <a:schemeClr val="accent1"/>
-                </a:solidFill>
-                <a:latin typeface="Courier New"/>
-                <a:cs typeface="Courier New"/>
-              </a:rPr>
-              <a:t>@</a:t>
-            </a:r>
-            <a:r>
-              <a:rPr lang="en-US" sz="1100" b="1" dirty="0">
-                <a:solidFill>
-                  <a:schemeClr val="accent1"/>
-                </a:solidFill>
-                <a:latin typeface="Courier New"/>
-                <a:cs typeface="Courier New"/>
-              </a:rPr>
-              <a:t>RestController </a:t>
-            </a:r>
-            <a:endParaRPr lang="en-US" sz="1100" b="1" dirty="0" smtClean="0">
-              <a:solidFill>
-                <a:schemeClr val="accent1"/>
-              </a:solidFill>
-              <a:latin typeface="Courier New"/>
-              <a:cs typeface="Courier New"/>
-            </a:endParaRPr>
-          </a:p>
-          <a:p>
-            <a:pPr latinLnBrk="1"/>
-            <a:r>
-              <a:rPr lang="en-US" sz="1100" dirty="0" smtClean="0">
-                <a:latin typeface="Courier New"/>
-                <a:cs typeface="Courier New"/>
-              </a:rPr>
-              <a:t>public </a:t>
-            </a:r>
             <a:r>
               <a:rPr lang="en-US" sz="1100" dirty="0">
                 <a:latin typeface="Courier New"/>
                 <a:cs typeface="Courier New"/>
               </a:rPr>
-              <a:t>class </a:t>
-            </a:r>
-            <a:r>
-              <a:rPr lang="en-US" sz="1100" dirty="0" smtClean="0">
-                <a:latin typeface="Courier New"/>
-                <a:cs typeface="Courier New"/>
-              </a:rPr>
-              <a:t>GreetingService {</a:t>
+              <a:t>public class GreetingService {</a:t>
             </a:r>
           </a:p>
           <a:p>
             <a:pPr latinLnBrk="1"/>
-            <a:r>
-              <a:rPr lang="en-US" sz="1100" dirty="0" smtClean="0">
-                <a:latin typeface="Courier New"/>
-                <a:cs typeface="Courier New"/>
-              </a:rPr>
-              <a:t>   </a:t>
-            </a:r>
-          </a:p>
-          <a:p>
-            <a:pPr latinLnBrk="1"/>
-            <a:r>
-              <a:rPr lang="en-US" sz="1100" dirty="0" smtClean="0">
-                <a:latin typeface="Courier New"/>
-                <a:cs typeface="Courier New"/>
-              </a:rPr>
-              <a:t>   </a:t>
-            </a:r>
-            <a:r>
-              <a:rPr lang="en-US" sz="1100" b="1" dirty="0" smtClean="0">
-                <a:solidFill>
-                  <a:srgbClr val="008774"/>
-                </a:solidFill>
-                <a:latin typeface="Courier New"/>
-                <a:cs typeface="Courier New"/>
-              </a:rPr>
-              <a:t>@AutoWired</a:t>
-            </a:r>
-            <a:r>
-              <a:rPr lang="en-US" sz="1100" dirty="0" smtClean="0">
-                <a:latin typeface="Courier New"/>
-                <a:cs typeface="Courier New"/>
-              </a:rPr>
-              <a:t> Greeter greeter;</a:t>
-            </a:r>
-          </a:p>
-          <a:p>
-            <a:pPr latinLnBrk="1"/>
-            <a:endParaRPr lang="en-US" sz="1100" dirty="0" smtClean="0">
-              <a:latin typeface="Courier New"/>
-              <a:cs typeface="Courier New"/>
-            </a:endParaRPr>
-          </a:p>
-          <a:p>
-            <a:pPr latinLnBrk="1"/>
-            <a:r>
-              <a:rPr lang="en-US" sz="1100" b="1" dirty="0" smtClean="0">
-                <a:solidFill>
-                  <a:srgbClr val="008774"/>
-                </a:solidFill>
-                <a:latin typeface="Courier New"/>
-                <a:cs typeface="Courier New"/>
-              </a:rPr>
-              <a:t>   @</a:t>
-            </a:r>
-            <a:r>
-              <a:rPr lang="en-US" sz="1100" b="1" dirty="0">
-                <a:solidFill>
-                  <a:srgbClr val="008774"/>
-                </a:solidFill>
-                <a:latin typeface="Courier New"/>
-                <a:cs typeface="Courier New"/>
-              </a:rPr>
-              <a:t>RequestMapping</a:t>
-            </a:r>
             <a:r>
               <a:rPr lang="en-US" sz="1100" dirty="0">
                 <a:latin typeface="Courier New"/>
                 <a:cs typeface="Courier New"/>
               </a:rPr>
-              <a:t>(</a:t>
-            </a:r>
-            <a:r>
-              <a:rPr lang="en-US" sz="1100" dirty="0">
-                <a:solidFill>
-                  <a:srgbClr val="FF0000"/>
-                </a:solidFill>
-                <a:latin typeface="Courier New"/>
-                <a:cs typeface="Courier New"/>
-              </a:rPr>
-              <a:t>"/"</a:t>
-            </a:r>
+              <a:t>   </a:t>
+            </a:r>
+          </a:p>
+          <a:p>
+            <a:pPr latinLnBrk="1"/>
             <a:r>
               <a:rPr lang="en-US" sz="1100" dirty="0">
                 <a:latin typeface="Courier New"/>
                 <a:cs typeface="Courier New"/>
               </a:rPr>
-              <a:t>)</a:t>
-            </a:r>
-          </a:p>
-          <a:p>
-            <a:pPr latinLnBrk="1"/>
+              <a:t>   </a:t>
+            </a:r>
+            <a:r>
+              <a:rPr lang="en-US" sz="1100" b="1" dirty="0">
+                <a:solidFill>
+                  <a:srgbClr val="008774"/>
+                </a:solidFill>
+                <a:latin typeface="Courier New"/>
+                <a:cs typeface="Courier New"/>
+              </a:rPr>
+              <a:t>@AutoWired</a:t>
+            </a:r>
             <a:r>
               <a:rPr lang="en-US" sz="1100" dirty="0">
                 <a:latin typeface="Courier New"/>
                 <a:cs typeface="Courier New"/>
               </a:rPr>
-              <a:t>   public String home() {</a:t>
-            </a:r>
-          </a:p>
-          <a:p>
-            <a:r>
-              <a:rPr lang="en-US" sz="1100" dirty="0">
-                <a:latin typeface="Courier New"/>
-                <a:cs typeface="Courier New"/>
-              </a:rPr>
-              <a:t>     return String.format("</a:t>
-            </a:r>
-            <a:r>
-              <a:rPr lang="en-US" sz="1100" dirty="0">
-                <a:solidFill>
-                  <a:srgbClr val="FF0000"/>
-                </a:solidFill>
-                <a:latin typeface="Courier New"/>
-                <a:cs typeface="Courier New"/>
-              </a:rPr>
-              <a:t>%s World</a:t>
-            </a:r>
-            <a:r>
-              <a:rPr lang="en-US" sz="1100" dirty="0">
-                <a:latin typeface="Courier New"/>
-                <a:cs typeface="Courier New"/>
-              </a:rPr>
-              <a:t>", </a:t>
-            </a:r>
-            <a:r>
-              <a:rPr lang="en-US" sz="1100" dirty="0" smtClean="0">
-                <a:latin typeface="Courier New"/>
-                <a:cs typeface="Courier New"/>
-              </a:rPr>
-              <a:t>greeter.greeting</a:t>
-            </a:r>
-            <a:r>
-              <a:rPr lang="en-US" sz="1100" dirty="0">
-                <a:latin typeface="Courier New"/>
-                <a:cs typeface="Courier New"/>
-              </a:rPr>
-              <a:t>);</a:t>
-            </a:r>
-          </a:p>
-          <a:p>
-            <a:pPr latinLnBrk="1"/>
-            <a:r>
-              <a:rPr lang="en-US" sz="1100" dirty="0" smtClean="0">
-                <a:latin typeface="Courier New"/>
-                <a:cs typeface="Courier New"/>
-              </a:rPr>
-              <a:t>   </a:t>
-            </a:r>
-            <a:r>
-              <a:rPr lang="en-US" sz="1100" dirty="0">
-                <a:latin typeface="Courier New"/>
-                <a:cs typeface="Courier New"/>
-              </a:rPr>
-              <a:t>}</a:t>
+              <a:t> Greeter greeter;</a:t>
             </a:r>
           </a:p>
           <a:p>
@@ -10790,77 +10217,14 @@
           <a:p>
             <a:pPr latinLnBrk="1"/>
             <a:r>
-              <a:rPr lang="en-US" sz="1100" dirty="0" smtClean="0">
+              <a:rPr lang="en-US" sz="1100" b="1" dirty="0">
+                <a:solidFill>
+                  <a:srgbClr val="008774"/>
+                </a:solidFill>
                 <a:latin typeface="Courier New"/>
                 <a:cs typeface="Courier New"/>
               </a:rPr>
-              <a:t>  </a:t>
-            </a:r>
-            <a:r>
-              <a:rPr lang="en-US" sz="1100" b="1" dirty="0" smtClean="0">
-                <a:solidFill>
-                  <a:schemeClr val="accent1"/>
-                </a:solidFill>
-                <a:latin typeface="Courier New"/>
-                <a:cs typeface="Courier New"/>
-              </a:rPr>
-              <a:t> @Component</a:t>
-            </a:r>
-          </a:p>
-          <a:p>
-            <a:pPr latinLnBrk="1"/>
-            <a:r>
-              <a:rPr lang="en-US" sz="1100" b="1" dirty="0">
-                <a:solidFill>
-                  <a:schemeClr val="accent1"/>
-                </a:solidFill>
-                <a:latin typeface="Courier New"/>
-                <a:cs typeface="Courier New"/>
-              </a:rPr>
-              <a:t> </a:t>
-            </a:r>
-            <a:r>
-              <a:rPr lang="en-US" sz="1100" b="1" dirty="0" smtClean="0">
-                <a:solidFill>
-                  <a:schemeClr val="accent1"/>
-                </a:solidFill>
-                <a:latin typeface="Courier New"/>
-                <a:cs typeface="Courier New"/>
-              </a:rPr>
-              <a:t>  @RefreshScope</a:t>
-            </a:r>
-          </a:p>
-          <a:p>
-            <a:pPr latinLnBrk="1"/>
-            <a:r>
-              <a:rPr lang="en-US" sz="1100" dirty="0" smtClean="0">
-                <a:latin typeface="Courier New"/>
-                <a:cs typeface="Courier New"/>
-              </a:rPr>
-              <a:t>   public class Greeter {</a:t>
-            </a:r>
-          </a:p>
-          <a:p>
-            <a:pPr latinLnBrk="1"/>
-            <a:r>
-              <a:rPr lang="en-US" sz="1100" b="1" dirty="0" smtClean="0">
-                <a:solidFill>
-                  <a:srgbClr val="008774"/>
-                </a:solidFill>
-                <a:latin typeface="Courier New"/>
-                <a:cs typeface="Courier New"/>
-              </a:rPr>
-              <a:t>      @</a:t>
-            </a:r>
-            <a:r>
-              <a:rPr lang="en-US" sz="1100" b="1" dirty="0">
-                <a:solidFill>
-                  <a:srgbClr val="008774"/>
-                </a:solidFill>
-                <a:latin typeface="Courier New"/>
-                <a:cs typeface="Courier New"/>
-              </a:rPr>
-              <a:t>Value</a:t>
+              <a:t>   @RequestMapping</a:t>
             </a:r>
             <a:r>
               <a:rPr lang="en-US" sz="1100" dirty="0">
@@ -10877,27 +10241,7 @@
                 <a:latin typeface="Courier New"/>
                 <a:cs typeface="Courier New"/>
               </a:rPr>
-              <a:t>"$</a:t>
-            </a:r>
-            <a:r>
-              <a:rPr lang="en-US" sz="1100" dirty="0" smtClean="0">
-                <a:solidFill>
-                  <a:srgbClr val="FF0000"/>
-                </a:solidFill>
-                <a:latin typeface="Courier New"/>
-                <a:cs typeface="Courier New"/>
-              </a:rPr>
-              <a:t>{greeting}</a:t>
-            </a:r>
-            <a:r>
-              <a:rPr lang="en-US" sz="1100" dirty="0">
-                <a:solidFill>
-                  <a:srgbClr val="FF0000"/>
-                </a:solidFill>
-                <a:latin typeface="Courier New"/>
-                <a:cs typeface="Courier New"/>
-              </a:rPr>
-              <a:t>"</a:t>
+              <a:t>"/"</a:t>
             </a:r>
             <a:r>
               <a:rPr lang="en-US" sz="1100" dirty="0">
@@ -10914,46 +10258,161 @@
                 <a:latin typeface="Courier New"/>
                 <a:cs typeface="Courier New"/>
               </a:rPr>
-              <a:t>   </a:t>
-            </a:r>
-            <a:r>
-              <a:rPr lang="en-US" sz="1100" dirty="0" smtClean="0">
-                <a:latin typeface="Courier New"/>
-                <a:cs typeface="Courier New"/>
-              </a:rPr>
-              <a:t>   String </a:t>
-            </a:r>
+              <a:t>   public String home() {</a:t>
+            </a:r>
+          </a:p>
+          <a:p>
             <a:r>
               <a:rPr lang="en-US" sz="1100" dirty="0">
                 <a:latin typeface="Courier New"/>
                 <a:cs typeface="Courier New"/>
               </a:rPr>
-              <a:t>name = "World";</a:t>
-            </a:r>
-          </a:p>
-          <a:p>
-            <a:pPr latinLnBrk="1"/>
-            <a:r>
-              <a:rPr lang="en-US" sz="1100" dirty="0" smtClean="0">
+              <a:t>     return String.format("</a:t>
+            </a:r>
+            <a:r>
+              <a:rPr lang="en-US" sz="1100" dirty="0">
+                <a:solidFill>
+                  <a:srgbClr val="FF0000"/>
+                </a:solidFill>
                 <a:latin typeface="Courier New"/>
                 <a:cs typeface="Courier New"/>
               </a:rPr>
-              <a:t>   }      </a:t>
-            </a:r>
-          </a:p>
-          <a:p>
-            <a:pPr latinLnBrk="1"/>
-            <a:r>
-              <a:rPr lang="en-US" sz="1100" dirty="0" smtClean="0">
+              <a:t>%s World</a:t>
+            </a:r>
+            <a:r>
+              <a:rPr lang="en-US" sz="1100" dirty="0">
                 <a:latin typeface="Courier New"/>
                 <a:cs typeface="Courier New"/>
               </a:rPr>
-              <a:t>}</a:t>
-            </a:r>
+              <a:t>", greeter.greeting);</a:t>
+            </a:r>
+          </a:p>
+          <a:p>
+            <a:pPr latinLnBrk="1"/>
+            <a:r>
+              <a:rPr lang="en-US" sz="1100" dirty="0">
+                <a:latin typeface="Courier New"/>
+                <a:cs typeface="Courier New"/>
+              </a:rPr>
+              <a:t>   }</a:t>
+            </a:r>
+          </a:p>
+          <a:p>
+            <a:pPr latinLnBrk="1"/>
             <a:endParaRPr lang="en-US" sz="1100" dirty="0">
               <a:latin typeface="Courier New"/>
               <a:cs typeface="Courier New"/>
             </a:endParaRPr>
+          </a:p>
+          <a:p>
+            <a:pPr latinLnBrk="1"/>
+            <a:r>
+              <a:rPr lang="en-US" sz="1100" dirty="0">
+                <a:latin typeface="Courier New"/>
+                <a:cs typeface="Courier New"/>
+              </a:rPr>
+              <a:t>  </a:t>
+            </a:r>
+            <a:r>
+              <a:rPr lang="en-US" sz="1100" b="1" dirty="0">
+                <a:solidFill>
+                  <a:schemeClr val="accent1"/>
+                </a:solidFill>
+                <a:latin typeface="Courier New"/>
+                <a:cs typeface="Courier New"/>
+              </a:rPr>
+              <a:t> @Component</a:t>
+            </a:r>
+          </a:p>
+          <a:p>
+            <a:pPr latinLnBrk="1"/>
+            <a:r>
+              <a:rPr lang="en-US" sz="1100" b="1" dirty="0">
+                <a:solidFill>
+                  <a:schemeClr val="accent1"/>
+                </a:solidFill>
+                <a:latin typeface="Courier New"/>
+                <a:cs typeface="Courier New"/>
+              </a:rPr>
+              <a:t>   @RefreshScope</a:t>
+            </a:r>
+          </a:p>
+          <a:p>
+            <a:pPr latinLnBrk="1"/>
+            <a:r>
+              <a:rPr lang="en-US" sz="1100" dirty="0">
+                <a:latin typeface="Courier New"/>
+                <a:cs typeface="Courier New"/>
+              </a:rPr>
+              <a:t>   public class Greeter {</a:t>
+            </a:r>
+          </a:p>
+          <a:p>
+            <a:pPr latinLnBrk="1"/>
+            <a:r>
+              <a:rPr lang="en-US" sz="1100" b="1" dirty="0">
+                <a:solidFill>
+                  <a:srgbClr val="008774"/>
+                </a:solidFill>
+                <a:latin typeface="Courier New"/>
+                <a:cs typeface="Courier New"/>
+              </a:rPr>
+              <a:t>      @Value</a:t>
+            </a:r>
+            <a:r>
+              <a:rPr lang="en-US" sz="1100" dirty="0">
+                <a:latin typeface="Courier New"/>
+                <a:cs typeface="Courier New"/>
+              </a:rPr>
+              <a:t>(</a:t>
+            </a:r>
+            <a:r>
+              <a:rPr lang="en-US" sz="1100" dirty="0">
+                <a:solidFill>
+                  <a:srgbClr val="FF0000"/>
+                </a:solidFill>
+                <a:latin typeface="Courier New"/>
+                <a:cs typeface="Courier New"/>
+              </a:rPr>
+              <a:t>"${greeting}"</a:t>
+            </a:r>
+            <a:r>
+              <a:rPr lang="en-US" sz="1100" dirty="0">
+                <a:latin typeface="Courier New"/>
+                <a:cs typeface="Courier New"/>
+              </a:rPr>
+              <a:t>)</a:t>
+            </a:r>
+          </a:p>
+          <a:p>
+            <a:pPr latinLnBrk="1"/>
+            <a:r>
+              <a:rPr lang="en-US" sz="1100" dirty="0">
+                <a:latin typeface="Courier New"/>
+                <a:cs typeface="Courier New"/>
+              </a:rPr>
+              <a:t>      String name = "World";</a:t>
+            </a:r>
+          </a:p>
+          <a:p>
+            <a:pPr latinLnBrk="1"/>
+            <a:r>
+              <a:rPr lang="en-US" sz="1100" dirty="0">
+                <a:latin typeface="Courier New"/>
+                <a:cs typeface="Courier New"/>
+              </a:rPr>
+              <a:t>   }      </a:t>
+            </a:r>
+          </a:p>
+          <a:p>
+            <a:pPr latinLnBrk="1"/>
+            <a:r>
+              <a:rPr lang="en-US" sz="1100" dirty="0">
+                <a:latin typeface="Courier New"/>
+                <a:cs typeface="Courier New"/>
+              </a:rPr>
+              <a:t>}</a:t>
+            </a:r>
           </a:p>
         </p:txBody>
       </p:sp>
@@ -10982,27 +10441,11 @@
           <a:lstStyle/>
           <a:p>
             <a:r>
-              <a:rPr lang="en-US" sz="1200" dirty="0" smtClean="0">
-                <a:latin typeface="Courier New"/>
-                <a:cs typeface="Courier New"/>
-              </a:rPr>
-              <a:t>spring:</a:t>
-            </a:r>
-          </a:p>
-          <a:p>
-            <a:r>
               <a:rPr lang="en-US" sz="1200" dirty="0">
                 <a:latin typeface="Courier New"/>
                 <a:cs typeface="Courier New"/>
               </a:rPr>
-              <a:t> </a:t>
-            </a:r>
-            <a:r>
-              <a:rPr lang="en-US" sz="1200" dirty="0" smtClean="0">
-                <a:latin typeface="Courier New"/>
-                <a:cs typeface="Courier New"/>
-              </a:rPr>
-              <a:t> application</a:t>
+              <a:t>spring:</a:t>
             </a:r>
           </a:p>
           <a:p>
@@ -11011,66 +10454,57 @@
                 <a:latin typeface="Courier New"/>
                 <a:cs typeface="Courier New"/>
               </a:rPr>
-              <a:t> </a:t>
-            </a:r>
-            <a:r>
-              <a:rPr lang="en-US" sz="1200" dirty="0" smtClean="0">
+              <a:t>  application</a:t>
+            </a:r>
+          </a:p>
+          <a:p>
+            <a:r>
+              <a:rPr lang="en-US" sz="1200" dirty="0">
                 <a:latin typeface="Courier New"/>
                 <a:cs typeface="Courier New"/>
               </a:rPr>
-              <a:t>   name: demo</a:t>
-            </a:r>
-          </a:p>
-          <a:p>
-            <a:endParaRPr lang="en-US" sz="1200" dirty="0" smtClean="0">
+              <a:t>    name: demo</a:t>
+            </a:r>
+          </a:p>
+          <a:p>
+            <a:endParaRPr lang="en-US" sz="1200" dirty="0">
               <a:latin typeface="Courier New"/>
               <a:cs typeface="Courier New"/>
             </a:endParaRPr>
           </a:p>
           <a:p>
             <a:r>
-              <a:rPr lang="en-US" sz="1200" dirty="0" smtClean="0">
-                <a:latin typeface="Courier New"/>
-                <a:cs typeface="Courier New"/>
-              </a:rPr>
-              <a:t>  cloud:</a:t>
-            </a:r>
-          </a:p>
-          <a:p>
-            <a:r>
               <a:rPr lang="en-US" sz="1200" dirty="0">
                 <a:latin typeface="Courier New"/>
                 <a:cs typeface="Courier New"/>
               </a:rPr>
-              <a:t> </a:t>
-            </a:r>
-            <a:r>
-              <a:rPr lang="en-US" sz="1200" dirty="0" smtClean="0">
+              <a:t>  cloud:</a:t>
+            </a:r>
+          </a:p>
+          <a:p>
+            <a:r>
+              <a:rPr lang="en-US" sz="1200" dirty="0">
                 <a:latin typeface="Courier New"/>
                 <a:cs typeface="Courier New"/>
               </a:rPr>
-              <a:t>   config:</a:t>
-            </a:r>
-          </a:p>
-          <a:p>
-            <a:r>
-              <a:rPr lang="en-US" sz="1200" dirty="0" smtClean="0">
+              <a:t>    config:</a:t>
+            </a:r>
+          </a:p>
+          <a:p>
+            <a:r>
+              <a:rPr lang="en-US" sz="1200" dirty="0">
                 <a:latin typeface="Courier New"/>
                 <a:cs typeface="Courier New"/>
               </a:rPr>
               <a:t>      uri: </a:t>
             </a:r>
             <a:r>
-              <a:rPr lang="en-US" sz="1100" dirty="0" smtClean="0">
+              <a:rPr lang="en-US" sz="1100" dirty="0">
                 <a:latin typeface="Courier New"/>
                 <a:cs typeface="Courier New"/>
               </a:rPr>
               <a:t>http://my-config-server.com</a:t>
             </a:r>
-            <a:endParaRPr lang="en-US" sz="1100" dirty="0">
-              <a:latin typeface="Courier New"/>
-              <a:cs typeface="Courier New"/>
-            </a:endParaRPr>
           </a:p>
         </p:txBody>
       </p:sp>
@@ -11097,7 +10531,7 @@
           <a:lstStyle/>
           <a:p>
             <a:r>
-              <a:rPr lang="en-US" dirty="0" err="1" smtClean="0">
+              <a:rPr lang="en-US" dirty="0" err="1">
                 <a:solidFill>
                   <a:schemeClr val="accent1"/>
                 </a:solidFill>
@@ -11122,14 +10556,6 @@
   <p:clrMapOvr>
     <a:masterClrMapping/>
   </p:clrMapOvr>
-  <mc:AlternateContent xmlns:mc="http://schemas.openxmlformats.org/markup-compatibility/2006" xmlns:p14="http://schemas.microsoft.com/office/powerpoint/2010/main">
-    <mc:Choice Requires="p14">
-      <p:transition spd="slow" p14:dur="2000"/>
-    </mc:Choice>
-    <mc:Fallback xmlns="">
-      <p:transition xmlns:p14="http://schemas.microsoft.com/office/powerpoint/2010/main" spd="slow"/>
-    </mc:Fallback>
-  </mc:AlternateContent>
   <p:timing>
     <p:tnLst>
       <p:par>
@@ -11277,7 +10703,7 @@
           <a:lstStyle/>
           <a:p>
             <a:r>
-              <a:rPr lang="en-US" dirty="0" smtClean="0"/>
+              <a:rPr lang="en-US" dirty="0"/>
               <a:t>Refreshing Configuration Context</a:t>
             </a:r>
             <a:endParaRPr lang="en-US" dirty="0">
@@ -11314,14 +10740,14 @@
           <a:p>
             <a:pPr latinLnBrk="1"/>
             <a:r>
-              <a:rPr lang="en-US" sz="1400" dirty="0" smtClean="0">
+              <a:rPr lang="en-US" sz="1400" dirty="0">
                 <a:latin typeface="Courier New"/>
                 <a:cs typeface="Courier New"/>
               </a:rPr>
               <a:t>  </a:t>
             </a:r>
             <a:r>
-              <a:rPr lang="en-US" sz="1400" b="1" dirty="0" smtClean="0">
+              <a:rPr lang="en-US" sz="1400" b="1" dirty="0">
                 <a:solidFill>
                   <a:schemeClr val="accent1"/>
                 </a:solidFill>
@@ -11341,17 +10767,7 @@
                 <a:latin typeface="Courier New"/>
                 <a:cs typeface="Courier New"/>
               </a:rPr>
-              <a:t> </a:t>
-            </a:r>
-            <a:r>
-              <a:rPr lang="en-US" sz="1400" b="1" dirty="0" smtClean="0">
-                <a:solidFill>
-                  <a:schemeClr val="accent1"/>
-                </a:solidFill>
-                <a:latin typeface="Courier New"/>
-                <a:cs typeface="Courier New"/>
-              </a:rPr>
-              <a:t>  @RefreshScope </a:t>
+              <a:t>   @RefreshScope </a:t>
             </a:r>
             <a:r>
               <a:rPr lang="en-US" sz="1400" b="1" dirty="0">
@@ -11362,20 +10778,9 @@
                 <a:cs typeface="Courier New"/>
                 <a:sym typeface="Wingdings"/>
               </a:rPr>
-              <a:t> MAGIC!</a:t>
-            </a:r>
-            <a:r>
-              <a:rPr lang="en-US" sz="1400" b="1" dirty="0" smtClean="0">
-                <a:solidFill>
-                  <a:srgbClr val="FF0000"/>
-                </a:solidFill>
-                <a:latin typeface="Courier New"/>
-                <a:cs typeface="Courier New"/>
-                <a:sym typeface="Wingdings"/>
-              </a:rPr>
-              <a:t>!</a:t>
-            </a:r>
-            <a:endParaRPr lang="en-US" sz="1400" b="1" dirty="0" smtClean="0">
+              <a:t> MAGIC!!</a:t>
+            </a:r>
+            <a:endParaRPr lang="en-US" sz="1400" b="1" dirty="0">
               <a:solidFill>
                 <a:schemeClr val="accent1"/>
               </a:solidFill>
@@ -11386,108 +10791,64 @@
           <a:p>
             <a:pPr latinLnBrk="1"/>
             <a:r>
-              <a:rPr lang="en-US" sz="1400" dirty="0" smtClean="0">
-                <a:latin typeface="Courier New"/>
-                <a:cs typeface="Courier New"/>
-              </a:rPr>
-              <a:t>   public class Greeter {</a:t>
-            </a:r>
-          </a:p>
-          <a:p>
-            <a:pPr latinLnBrk="1"/>
-            <a:r>
-              <a:rPr lang="en-US" sz="1400" b="1" dirty="0" smtClean="0">
-                <a:solidFill>
-                  <a:srgbClr val="008774"/>
-                </a:solidFill>
-                <a:latin typeface="Courier New"/>
-                <a:cs typeface="Courier New"/>
-              </a:rPr>
-              <a:t>      @</a:t>
-            </a:r>
-            <a:r>
-              <a:rPr lang="en-US" sz="1400" b="1" dirty="0">
-                <a:solidFill>
-                  <a:srgbClr val="008774"/>
-                </a:solidFill>
-                <a:latin typeface="Courier New"/>
-                <a:cs typeface="Courier New"/>
-              </a:rPr>
-              <a:t>Value</a:t>
-            </a:r>
-            <a:r>
               <a:rPr lang="en-US" sz="1400" dirty="0">
                 <a:latin typeface="Courier New"/>
                 <a:cs typeface="Courier New"/>
               </a:rPr>
-              <a:t>(</a:t>
-            </a:r>
-            <a:r>
-              <a:rPr lang="en-US" sz="1400" dirty="0">
-                <a:solidFill>
-                  <a:srgbClr val="FF0000"/>
+              <a:t>   public class Greeter {</a:t>
+            </a:r>
+          </a:p>
+          <a:p>
+            <a:pPr latinLnBrk="1"/>
+            <a:r>
+              <a:rPr lang="en-US" sz="1400" b="1" dirty="0">
+                <a:solidFill>
+                  <a:srgbClr val="008774"/>
                 </a:solidFill>
                 <a:latin typeface="Courier New"/>
                 <a:cs typeface="Courier New"/>
               </a:rPr>
-              <a:t>"$</a:t>
-            </a:r>
-            <a:r>
-              <a:rPr lang="en-US" sz="1400" dirty="0" smtClean="0">
-                <a:solidFill>
-                  <a:srgbClr val="FF0000"/>
-                </a:solidFill>
-                <a:latin typeface="Courier New"/>
-                <a:cs typeface="Courier New"/>
-              </a:rPr>
-              <a:t>{greeting}</a:t>
-            </a:r>
-            <a:r>
-              <a:rPr lang="en-US" sz="1400" dirty="0">
-                <a:solidFill>
-                  <a:srgbClr val="FF0000"/>
-                </a:solidFill>
-                <a:latin typeface="Courier New"/>
-                <a:cs typeface="Courier New"/>
-              </a:rPr>
-              <a:t>"</a:t>
+              <a:t>      @Value</a:t>
             </a:r>
             <a:r>
               <a:rPr lang="en-US" sz="1400" dirty="0">
                 <a:latin typeface="Courier New"/>
                 <a:cs typeface="Courier New"/>
               </a:rPr>
-              <a:t>)</a:t>
-            </a:r>
-          </a:p>
-          <a:p>
-            <a:pPr latinLnBrk="1"/>
+              <a:t>(</a:t>
+            </a:r>
+            <a:r>
+              <a:rPr lang="en-US" sz="1400" dirty="0">
+                <a:solidFill>
+                  <a:srgbClr val="FF0000"/>
+                </a:solidFill>
+                <a:latin typeface="Courier New"/>
+                <a:cs typeface="Courier New"/>
+              </a:rPr>
+              <a:t>"${greeting}"</a:t>
+            </a:r>
             <a:r>
               <a:rPr lang="en-US" sz="1400" dirty="0">
                 <a:latin typeface="Courier New"/>
                 <a:cs typeface="Courier New"/>
               </a:rPr>
-              <a:t>   </a:t>
-            </a:r>
-            <a:r>
-              <a:rPr lang="en-US" sz="1400" dirty="0" smtClean="0">
-                <a:latin typeface="Courier New"/>
-                <a:cs typeface="Courier New"/>
-              </a:rPr>
-              <a:t>   String </a:t>
-            </a:r>
+              <a:t>)</a:t>
+            </a:r>
+          </a:p>
+          <a:p>
+            <a:pPr latinLnBrk="1"/>
             <a:r>
               <a:rPr lang="en-US" sz="1400" dirty="0">
                 <a:latin typeface="Courier New"/>
                 <a:cs typeface="Courier New"/>
               </a:rPr>
-              <a:t>name = "World";</a:t>
+              <a:t>      String name = "World";</a:t>
             </a:r>
           </a:p>
           <a:p>
             <a:pPr latinLnBrk="1"/>
             <a:r>
-              <a:rPr lang="en-US" sz="1400" dirty="0" smtClean="0">
+              <a:rPr lang="en-US" sz="1400" dirty="0">
                 <a:latin typeface="Courier New"/>
                 <a:cs typeface="Courier New"/>
               </a:rPr>
@@ -11523,7 +10884,7 @@
               <a:buAutoNum type="arabicPeriod"/>
             </a:pPr>
             <a:r>
-              <a:rPr lang="en-US" sz="1800" b="1" dirty="0" smtClean="0"/>
+              <a:rPr lang="en-US" sz="1800" b="1" dirty="0"/>
               <a:t>Update Git Repository</a:t>
             </a:r>
           </a:p>
@@ -11533,15 +10894,15 @@
               <a:buAutoNum type="arabicPeriod"/>
             </a:pPr>
             <a:r>
-              <a:rPr lang="en-US" sz="1800" dirty="0" smtClean="0"/>
+              <a:rPr lang="en-US" sz="1800" dirty="0"/>
               <a:t>Send a POST </a:t>
             </a:r>
             <a:r>
-              <a:rPr lang="en-US" sz="1800" b="1" i="1" u="sng" dirty="0" smtClean="0"/>
+              <a:rPr lang="en-US" sz="1800" b="1" i="1" u="sng" dirty="0"/>
               <a:t>refresh</a:t>
             </a:r>
             <a:r>
-              <a:rPr lang="en-US" sz="1800" dirty="0" smtClean="0"/>
+              <a:rPr lang="en-US" sz="1800" dirty="0"/>
               <a:t> request to the application(s) to refresh</a:t>
             </a:r>
           </a:p>
@@ -11549,17 +10910,16 @@
             <a:pPr marL="0" lvl="0" indent="0" fontAlgn="base">
               <a:buNone/>
             </a:pPr>
-            <a:endParaRPr lang="en-US" sz="1800" dirty="0" smtClean="0"/>
+            <a:endParaRPr lang="en-US" sz="1800" dirty="0"/>
           </a:p>
           <a:p>
             <a:pPr marL="0" lvl="0" indent="0" fontAlgn="base">
               <a:buNone/>
             </a:pPr>
             <a:r>
-              <a:rPr lang="en-US" sz="1800" dirty="0" smtClean="0"/>
+              <a:rPr lang="en-US" sz="1800" dirty="0"/>
               <a:t>Curl –X POST http://my-awesome-app.com/refresh</a:t>
             </a:r>
-            <a:endParaRPr lang="en-US" sz="1800" dirty="0"/>
           </a:p>
         </p:txBody>
       </p:sp>
@@ -11573,21 +10933,6 @@
   <p:clrMapOvr>
     <a:masterClrMapping/>
   </p:clrMapOvr>
-  <mc:AlternateContent xmlns:mc="http://schemas.openxmlformats.org/markup-compatibility/2006" xmlns:p14="http://schemas.microsoft.com/office/powerpoint/2010/main">
-    <mc:Choice Requires="p14">
-      <p:transition spd="slow" p14:dur="2000"/>
-    </mc:Choice>
-    <mc:Fallback xmlns="">
-      <p:transition xmlns:p14="http://schemas.microsoft.com/office/powerpoint/2010/main" spd="slow"/>
-    </mc:Fallback>
-  </mc:AlternateContent>
-  <p:timing>
-    <p:tnLst>
-      <p:par>
-        <p:cTn id="1" dur="indefinite" restart="never" nodeType="tmRoot"/>
-      </p:par>
-    </p:tnLst>
-  </p:timing>
 </p:sld>
 </file>
 
@@ -11629,7 +10974,7 @@
           <a:lstStyle/>
           <a:p>
             <a:r>
-              <a:rPr lang="en-US" dirty="0" smtClean="0"/>
+              <a:rPr lang="en-US" dirty="0"/>
               <a:t>Refreshing Configuration Context</a:t>
             </a:r>
             <a:endParaRPr lang="en-US" dirty="0">
@@ -11667,11 +11012,7 @@
             </a:pPr>
             <a:r>
               <a:rPr lang="en-US" sz="1800" b="1" dirty="0"/>
-              <a:t>When running many applications, refreshing each one can be cumbersome</a:t>
-            </a:r>
-            <a:r>
-              <a:rPr lang="en-US" sz="1800" b="1" dirty="0" smtClean="0"/>
-              <a:t>.</a:t>
+              <a:t>When running many applications, refreshing each one can be cumbersome.</a:t>
             </a:r>
           </a:p>
           <a:p>
@@ -11694,23 +11035,15 @@
             <a:pPr marL="0" indent="0" fontAlgn="base">
               <a:buNone/>
             </a:pPr>
-            <a:endParaRPr lang="en-US" sz="1800" b="1" dirty="0" smtClean="0"/>
+            <a:endParaRPr lang="en-US" sz="1800" b="1" dirty="0"/>
           </a:p>
           <a:p>
             <a:pPr marL="0" indent="0" fontAlgn="base">
               <a:buNone/>
             </a:pPr>
             <a:r>
-              <a:rPr lang="en-US" sz="1800" b="1" dirty="0" smtClean="0"/>
-              <a:t>Send </a:t>
-            </a:r>
-            <a:r>
               <a:rPr lang="en-US" sz="1800" b="1" dirty="0"/>
-              <a:t>a POST request to the refresh endpoint to fetch updated config values</a:t>
-            </a:r>
-            <a:r>
-              <a:rPr lang="en-US" sz="1800" b="1" dirty="0" smtClean="0"/>
-              <a:t>:</a:t>
+              <a:t>Send a POST request to the refresh endpoint to fetch updated config values:</a:t>
             </a:r>
           </a:p>
           <a:p>
@@ -11718,22 +11051,10 @@
               <a:buNone/>
             </a:pPr>
             <a:r>
-              <a:rPr lang="en-US" sz="1800" b="1" dirty="0" smtClean="0">
-                <a:hlinkClick r:id="rId3"/>
-              </a:rPr>
-              <a:t>http</a:t>
-            </a:r>
-            <a:r>
               <a:rPr lang="en-US" sz="1800" b="1" dirty="0">
                 <a:hlinkClick r:id="rId3"/>
               </a:rPr>
-              <a:t>:/</a:t>
-            </a:r>
-            <a:r>
-              <a:rPr lang="en-US" sz="1800" b="1" dirty="0" smtClean="0">
-                <a:hlinkClick r:id="rId3"/>
-              </a:rPr>
-              <a:t>/</a:t>
+              <a:t>http://</a:t>
             </a:r>
             <a:r>
               <a:rPr lang="en-US" sz="1800" dirty="0">
@@ -11742,16 +11063,10 @@
               <a:t>my-awesome-app.com</a:t>
             </a:r>
             <a:r>
-              <a:rPr lang="en-US" sz="1800" b="1" dirty="0" smtClean="0">
-                <a:hlinkClick r:id="rId3"/>
-              </a:rPr>
-              <a:t>/</a:t>
-            </a:r>
-            <a:r>
               <a:rPr lang="en-US" sz="1800" b="1" dirty="0">
                 <a:hlinkClick r:id="rId3"/>
               </a:rPr>
-              <a:t>bus/refresh</a:t>
+              <a:t>/bus/refresh</a:t>
             </a:r>
             <a:endParaRPr lang="en-US" sz="1800" dirty="0"/>
           </a:p>
@@ -11763,25 +11078,17 @@
               <a:rPr lang="en-US" sz="1800" dirty="0"/>
               <a:t> </a:t>
             </a:r>
-            <a:endParaRPr lang="en-US" sz="1800" dirty="0" smtClean="0"/>
           </a:p>
           <a:p>
             <a:pPr marL="0" indent="0" fontAlgn="base">
               <a:buNone/>
             </a:pPr>
             <a:r>
-              <a:rPr lang="en-US" sz="1400" dirty="0" smtClean="0">
-                <a:latin typeface="Courier New"/>
-                <a:cs typeface="Courier New"/>
-              </a:rPr>
-              <a:t>&lt;</a:t>
-            </a:r>
-            <a:r>
               <a:rPr lang="en-US" sz="1400" dirty="0">
                 <a:latin typeface="Courier New"/>
                 <a:cs typeface="Courier New"/>
               </a:rPr>
-              <a:t>dependency&gt;     </a:t>
+              <a:t>&lt;dependency&gt;     </a:t>
             </a:r>
           </a:p>
           <a:p>
@@ -11862,21 +11169,6 @@
   <p:clrMapOvr>
     <a:masterClrMapping/>
   </p:clrMapOvr>
-  <mc:AlternateContent xmlns:mc="http://schemas.openxmlformats.org/markup-compatibility/2006" xmlns:p14="http://schemas.microsoft.com/office/powerpoint/2010/main">
-    <mc:Choice Requires="p14">
-      <p:transition spd="slow" p14:dur="2000"/>
-    </mc:Choice>
-    <mc:Fallback xmlns="">
-      <p:transition xmlns:p14="http://schemas.microsoft.com/office/powerpoint/2010/main" spd="slow"/>
-    </mc:Fallback>
-  </mc:AlternateContent>
-  <p:timing>
-    <p:tnLst>
-      <p:par>
-        <p:cTn id="1" dur="indefinite" restart="never" nodeType="tmRoot"/>
-      </p:par>
-    </p:tnLst>
-  </p:timing>
 </p:sld>
 </file>
 
@@ -11918,7 +11210,7 @@
           <a:lstStyle/>
           <a:p>
             <a:r>
-              <a:rPr lang="en-US" dirty="0" smtClean="0"/>
+              <a:rPr lang="en-US" dirty="0"/>
               <a:t>Refreshing Configuration Context</a:t>
             </a:r>
             <a:endParaRPr lang="en-US" dirty="0">
@@ -11963,21 +11255,6 @@
   <p:clrMapOvr>
     <a:masterClrMapping/>
   </p:clrMapOvr>
-  <mc:AlternateContent xmlns:mc="http://schemas.openxmlformats.org/markup-compatibility/2006" xmlns:p14="http://schemas.microsoft.com/office/powerpoint/2010/main">
-    <mc:Choice Requires="p14">
-      <p:transition spd="slow" p14:dur="2000"/>
-    </mc:Choice>
-    <mc:Fallback xmlns="">
-      <p:transition xmlns:p14="http://schemas.microsoft.com/office/powerpoint/2010/main" spd="slow"/>
-    </mc:Fallback>
-  </mc:AlternateContent>
-  <p:timing>
-    <p:tnLst>
-      <p:par>
-        <p:cTn id="1" dur="indefinite" restart="never" nodeType="tmRoot"/>
-      </p:par>
-    </p:tnLst>
-  </p:timing>
 </p:sld>
 </file>
 
